--- a/스토리보드/3학년/1차/한대희/suh_h_0302_01_0001_v2.pptx
+++ b/스토리보드/3학년/1차/한대희/suh_h_0302_01_0001_v2.pptx
@@ -155,7 +155,7 @@
   </p:defaultTextStyle>
   <p:extLst>
     <p:ext uri="{EFAFB233-063F-42B5-8137-9DF3F51BA10A}">
-      <p15:sldGuideLst xmlns:p15="http://schemas.microsoft.com/office/powerpoint/2012/main" xmlns="">
+      <p15:sldGuideLst xmlns="" xmlns:p15="http://schemas.microsoft.com/office/powerpoint/2012/main">
         <p15:guide id="1" orient="horz" pos="4292">
           <p15:clr>
             <a:srgbClr val="A4A3A4"/>
@@ -169,7 +169,7 @@
       </p15:sldGuideLst>
     </p:ext>
     <p:ext uri="{2D200454-40CA-4A62-9FC3-DE9A4176ACB9}">
-      <p15:notesGuideLst xmlns:p15="http://schemas.microsoft.com/office/powerpoint/2012/main" xmlns="">
+      <p15:notesGuideLst xmlns="" xmlns:p15="http://schemas.microsoft.com/office/powerpoint/2012/main">
         <p15:guide id="1" orient="horz" pos="3127">
           <p15:clr>
             <a:srgbClr val="A4A3A4"/>
@@ -1854,7 +1854,7 @@
           <p:cNvPr id="6" name="TextBox 7">
             <a:extLst>
               <a:ext uri="{FF2B5EF4-FFF2-40B4-BE49-F238E27FC236}">
-                <a16:creationId xmlns:a16="http://schemas.microsoft.com/office/drawing/2014/main" xmlns="" id="{58A2CD4B-DA2B-4269-97C4-AA4D9AEDDDE1}"/>
+                <a16:creationId xmlns="" xmlns:a16="http://schemas.microsoft.com/office/drawing/2014/main" id="{58A2CD4B-DA2B-4269-97C4-AA4D9AEDDDE1}"/>
               </a:ext>
             </a:extLst>
           </p:cNvPr>
@@ -1898,7 +1898,7 @@
           <p:cNvPr id="7" name="TextBox 8">
             <a:extLst>
               <a:ext uri="{FF2B5EF4-FFF2-40B4-BE49-F238E27FC236}">
-                <a16:creationId xmlns:a16="http://schemas.microsoft.com/office/drawing/2014/main" xmlns="" id="{621A9AFE-3AA0-4DF5-96B3-31EDA8A189C6}"/>
+                <a16:creationId xmlns="" xmlns:a16="http://schemas.microsoft.com/office/drawing/2014/main" id="{621A9AFE-3AA0-4DF5-96B3-31EDA8A189C6}"/>
               </a:ext>
             </a:extLst>
           </p:cNvPr>
@@ -1953,7 +1953,7 @@
           <p:cNvPr id="8" name="TextBox 9">
             <a:extLst>
               <a:ext uri="{FF2B5EF4-FFF2-40B4-BE49-F238E27FC236}">
-                <a16:creationId xmlns:a16="http://schemas.microsoft.com/office/drawing/2014/main" xmlns="" id="{5BE6F58E-3978-4849-B8CB-F34AC1A52660}"/>
+                <a16:creationId xmlns="" xmlns:a16="http://schemas.microsoft.com/office/drawing/2014/main" id="{5BE6F58E-3978-4849-B8CB-F34AC1A52660}"/>
               </a:ext>
             </a:extLst>
           </p:cNvPr>
@@ -2113,14 +2113,14 @@
                 <a:gridCol w="6938661">
                   <a:extLst>
                     <a:ext uri="{9D8B030D-6E8A-4147-A177-3AD203B41FA5}">
-                      <a16:colId xmlns:a16="http://schemas.microsoft.com/office/drawing/2014/main" xmlns="" val="20000"/>
+                      <a16:colId xmlns="" xmlns:a16="http://schemas.microsoft.com/office/drawing/2014/main" val="20000"/>
                     </a:ext>
                   </a:extLst>
                 </a:gridCol>
                 <a:gridCol w="2124376">
                   <a:extLst>
                     <a:ext uri="{9D8B030D-6E8A-4147-A177-3AD203B41FA5}">
-                      <a16:colId xmlns:a16="http://schemas.microsoft.com/office/drawing/2014/main" xmlns="" val="20001"/>
+                      <a16:colId xmlns="" xmlns:a16="http://schemas.microsoft.com/office/drawing/2014/main" val="20001"/>
                     </a:ext>
                   </a:extLst>
                 </a:gridCol>
@@ -2303,7 +2303,7 @@
                 </a:tc>
                 <a:extLst>
                   <a:ext uri="{0D108BD9-81ED-4DB2-BD59-A6C34878D82A}">
-                    <a16:rowId xmlns:a16="http://schemas.microsoft.com/office/drawing/2014/main" xmlns="" val="10000"/>
+                    <a16:rowId xmlns="" xmlns:a16="http://schemas.microsoft.com/office/drawing/2014/main" val="10000"/>
                   </a:ext>
                 </a:extLst>
               </a:tr>
@@ -2331,56 +2331,56 @@
                 <a:gridCol w="780574">
                   <a:extLst>
                     <a:ext uri="{9D8B030D-6E8A-4147-A177-3AD203B41FA5}">
-                      <a16:colId xmlns:a16="http://schemas.microsoft.com/office/drawing/2014/main" xmlns="" val="20000"/>
+                      <a16:colId xmlns="" xmlns:a16="http://schemas.microsoft.com/office/drawing/2014/main" val="20000"/>
                     </a:ext>
                   </a:extLst>
                 </a:gridCol>
                 <a:gridCol w="889949">
                   <a:extLst>
                     <a:ext uri="{9D8B030D-6E8A-4147-A177-3AD203B41FA5}">
-                      <a16:colId xmlns:a16="http://schemas.microsoft.com/office/drawing/2014/main" xmlns="" val="20001"/>
+                      <a16:colId xmlns="" xmlns:a16="http://schemas.microsoft.com/office/drawing/2014/main" val="20001"/>
                     </a:ext>
                   </a:extLst>
                 </a:gridCol>
                 <a:gridCol w="540056">
                   <a:extLst>
                     <a:ext uri="{9D8B030D-6E8A-4147-A177-3AD203B41FA5}">
-                      <a16:colId xmlns:a16="http://schemas.microsoft.com/office/drawing/2014/main" xmlns="" val="20002"/>
+                      <a16:colId xmlns="" xmlns:a16="http://schemas.microsoft.com/office/drawing/2014/main" val="20002"/>
                     </a:ext>
                   </a:extLst>
                 </a:gridCol>
                 <a:gridCol w="2772323">
                   <a:extLst>
                     <a:ext uri="{9D8B030D-6E8A-4147-A177-3AD203B41FA5}">
-                      <a16:colId xmlns:a16="http://schemas.microsoft.com/office/drawing/2014/main" xmlns="" val="20003"/>
+                      <a16:colId xmlns="" xmlns:a16="http://schemas.microsoft.com/office/drawing/2014/main" val="20003"/>
                     </a:ext>
                   </a:extLst>
                 </a:gridCol>
                 <a:gridCol w="648072">
                   <a:extLst>
                     <a:ext uri="{9D8B030D-6E8A-4147-A177-3AD203B41FA5}">
-                      <a16:colId xmlns:a16="http://schemas.microsoft.com/office/drawing/2014/main" xmlns="" val="20004"/>
+                      <a16:colId xmlns="" xmlns:a16="http://schemas.microsoft.com/office/drawing/2014/main" val="20004"/>
                     </a:ext>
                   </a:extLst>
                 </a:gridCol>
                 <a:gridCol w="1330199">
                   <a:extLst>
                     <a:ext uri="{9D8B030D-6E8A-4147-A177-3AD203B41FA5}">
-                      <a16:colId xmlns:a16="http://schemas.microsoft.com/office/drawing/2014/main" xmlns="" val="20005"/>
+                      <a16:colId xmlns="" xmlns:a16="http://schemas.microsoft.com/office/drawing/2014/main" val="20005"/>
                     </a:ext>
                   </a:extLst>
                 </a:gridCol>
                 <a:gridCol w="730255">
                   <a:extLst>
                     <a:ext uri="{9D8B030D-6E8A-4147-A177-3AD203B41FA5}">
-                      <a16:colId xmlns:a16="http://schemas.microsoft.com/office/drawing/2014/main" xmlns="" val="20006"/>
+                      <a16:colId xmlns="" xmlns:a16="http://schemas.microsoft.com/office/drawing/2014/main" val="20006"/>
                     </a:ext>
                   </a:extLst>
                 </a:gridCol>
                 <a:gridCol w="1350972">
                   <a:extLst>
                     <a:ext uri="{9D8B030D-6E8A-4147-A177-3AD203B41FA5}">
-                      <a16:colId xmlns:a16="http://schemas.microsoft.com/office/drawing/2014/main" xmlns="" val="20007"/>
+                      <a16:colId xmlns="" xmlns:a16="http://schemas.microsoft.com/office/drawing/2014/main" val="20007"/>
                     </a:ext>
                   </a:extLst>
                 </a:gridCol>
@@ -2985,7 +2985,7 @@
                 </a:tc>
                 <a:extLst>
                   <a:ext uri="{0D108BD9-81ED-4DB2-BD59-A6C34878D82A}">
-                    <a16:rowId xmlns:a16="http://schemas.microsoft.com/office/drawing/2014/main" xmlns="" val="10000"/>
+                    <a16:rowId xmlns="" xmlns:a16="http://schemas.microsoft.com/office/drawing/2014/main" val="10000"/>
                   </a:ext>
                 </a:extLst>
               </a:tr>
@@ -3450,7 +3450,7 @@
                 </a:tc>
                 <a:extLst>
                   <a:ext uri="{0D108BD9-81ED-4DB2-BD59-A6C34878D82A}">
-                    <a16:rowId xmlns:a16="http://schemas.microsoft.com/office/drawing/2014/main" xmlns="" val="10001"/>
+                    <a16:rowId xmlns="" xmlns:a16="http://schemas.microsoft.com/office/drawing/2014/main" val="10001"/>
                   </a:ext>
                 </a:extLst>
               </a:tr>
@@ -3524,7 +3524,7 @@
                 <a:gridCol w="6923853">
                   <a:extLst>
                     <a:ext uri="{9D8B030D-6E8A-4147-A177-3AD203B41FA5}">
-                      <a16:colId xmlns:a16="http://schemas.microsoft.com/office/drawing/2014/main" xmlns="" val="20000"/>
+                      <a16:colId xmlns="" xmlns:a16="http://schemas.microsoft.com/office/drawing/2014/main" val="20000"/>
                     </a:ext>
                   </a:extLst>
                 </a:gridCol>
@@ -3584,7 +3584,7 @@
                 </a:tc>
                 <a:extLst>
                   <a:ext uri="{0D108BD9-81ED-4DB2-BD59-A6C34878D82A}">
-                    <a16:rowId xmlns:a16="http://schemas.microsoft.com/office/drawing/2014/main" xmlns="" val="10000"/>
+                    <a16:rowId xmlns="" xmlns:a16="http://schemas.microsoft.com/office/drawing/2014/main" val="10000"/>
                   </a:ext>
                 </a:extLst>
               </a:tr>
@@ -3612,7 +3612,7 @@
                 <a:gridCol w="576263">
                   <a:extLst>
                     <a:ext uri="{9D8B030D-6E8A-4147-A177-3AD203B41FA5}">
-                      <a16:colId xmlns:a16="http://schemas.microsoft.com/office/drawing/2014/main" xmlns="" val="20000"/>
+                      <a16:colId xmlns="" xmlns:a16="http://schemas.microsoft.com/office/drawing/2014/main" val="20000"/>
                     </a:ext>
                   </a:extLst>
                 </a:gridCol>
@@ -3719,7 +3719,7 @@
                 </a:tc>
                 <a:extLst>
                   <a:ext uri="{0D108BD9-81ED-4DB2-BD59-A6C34878D82A}">
-                    <a16:rowId xmlns:a16="http://schemas.microsoft.com/office/drawing/2014/main" xmlns="" val="10000"/>
+                    <a16:rowId xmlns="" xmlns:a16="http://schemas.microsoft.com/office/drawing/2014/main" val="10000"/>
                   </a:ext>
                 </a:extLst>
               </a:tr>
@@ -4326,42 +4326,42 @@
                 <a:gridCol w="423863">
                   <a:extLst>
                     <a:ext uri="{9D8B030D-6E8A-4147-A177-3AD203B41FA5}">
-                      <a16:colId xmlns:a16="http://schemas.microsoft.com/office/drawing/2014/main" xmlns="" val="20000"/>
+                      <a16:colId xmlns="" xmlns:a16="http://schemas.microsoft.com/office/drawing/2014/main" val="20000"/>
                     </a:ext>
                   </a:extLst>
                 </a:gridCol>
                 <a:gridCol w="560387">
                   <a:extLst>
                     <a:ext uri="{9D8B030D-6E8A-4147-A177-3AD203B41FA5}">
-                      <a16:colId xmlns:a16="http://schemas.microsoft.com/office/drawing/2014/main" xmlns="" val="20001"/>
+                      <a16:colId xmlns="" xmlns:a16="http://schemas.microsoft.com/office/drawing/2014/main" val="20001"/>
                     </a:ext>
                   </a:extLst>
                 </a:gridCol>
                 <a:gridCol w="984250">
                   <a:extLst>
                     <a:ext uri="{9D8B030D-6E8A-4147-A177-3AD203B41FA5}">
-                      <a16:colId xmlns:a16="http://schemas.microsoft.com/office/drawing/2014/main" xmlns="" val="20002"/>
+                      <a16:colId xmlns="" xmlns:a16="http://schemas.microsoft.com/office/drawing/2014/main" val="20002"/>
                     </a:ext>
                   </a:extLst>
                 </a:gridCol>
                 <a:gridCol w="4926013">
                   <a:extLst>
                     <a:ext uri="{9D8B030D-6E8A-4147-A177-3AD203B41FA5}">
-                      <a16:colId xmlns:a16="http://schemas.microsoft.com/office/drawing/2014/main" xmlns="" val="20003"/>
+                      <a16:colId xmlns="" xmlns:a16="http://schemas.microsoft.com/office/drawing/2014/main" val="20003"/>
                     </a:ext>
                   </a:extLst>
                 </a:gridCol>
                 <a:gridCol w="1243012">
                   <a:extLst>
                     <a:ext uri="{9D8B030D-6E8A-4147-A177-3AD203B41FA5}">
-                      <a16:colId xmlns:a16="http://schemas.microsoft.com/office/drawing/2014/main" xmlns="" val="20004"/>
+                      <a16:colId xmlns="" xmlns:a16="http://schemas.microsoft.com/office/drawing/2014/main" val="20004"/>
                     </a:ext>
                   </a:extLst>
                 </a:gridCol>
                 <a:gridCol w="792163">
                   <a:extLst>
                     <a:ext uri="{9D8B030D-6E8A-4147-A177-3AD203B41FA5}">
-                      <a16:colId xmlns:a16="http://schemas.microsoft.com/office/drawing/2014/main" xmlns="" val="20005"/>
+                      <a16:colId xmlns="" xmlns:a16="http://schemas.microsoft.com/office/drawing/2014/main" val="20005"/>
                     </a:ext>
                   </a:extLst>
                 </a:gridCol>
@@ -4949,7 +4949,7 @@
                 </a:tc>
                 <a:extLst>
                   <a:ext uri="{0D108BD9-81ED-4DB2-BD59-A6C34878D82A}">
-                    <a16:rowId xmlns:a16="http://schemas.microsoft.com/office/drawing/2014/main" xmlns="" val="10000"/>
+                    <a16:rowId xmlns="" xmlns:a16="http://schemas.microsoft.com/office/drawing/2014/main" val="10000"/>
                   </a:ext>
                 </a:extLst>
               </a:tr>
@@ -5484,7 +5484,7 @@
                 </a:tc>
                 <a:extLst>
                   <a:ext uri="{0D108BD9-81ED-4DB2-BD59-A6C34878D82A}">
-                    <a16:rowId xmlns:a16="http://schemas.microsoft.com/office/drawing/2014/main" xmlns="" val="10001"/>
+                    <a16:rowId xmlns="" xmlns:a16="http://schemas.microsoft.com/office/drawing/2014/main" val="10001"/>
                   </a:ext>
                 </a:extLst>
               </a:tr>
@@ -6058,7 +6058,7 @@
                 </a:tc>
                 <a:extLst>
                   <a:ext uri="{0D108BD9-81ED-4DB2-BD59-A6C34878D82A}">
-                    <a16:rowId xmlns:a16="http://schemas.microsoft.com/office/drawing/2014/main" xmlns="" val="10002"/>
+                    <a16:rowId xmlns="" xmlns:a16="http://schemas.microsoft.com/office/drawing/2014/main" val="10002"/>
                   </a:ext>
                 </a:extLst>
               </a:tr>
@@ -6549,7 +6549,7 @@
                 </a:tc>
                 <a:extLst>
                   <a:ext uri="{0D108BD9-81ED-4DB2-BD59-A6C34878D82A}">
-                    <a16:rowId xmlns:a16="http://schemas.microsoft.com/office/drawing/2014/main" xmlns="" val="10003"/>
+                    <a16:rowId xmlns="" xmlns:a16="http://schemas.microsoft.com/office/drawing/2014/main" val="10003"/>
                   </a:ext>
                 </a:extLst>
               </a:tr>
@@ -7039,7 +7039,7 @@
                 </a:tc>
                 <a:extLst>
                   <a:ext uri="{0D108BD9-81ED-4DB2-BD59-A6C34878D82A}">
-                    <a16:rowId xmlns:a16="http://schemas.microsoft.com/office/drawing/2014/main" xmlns="" val="10004"/>
+                    <a16:rowId xmlns="" xmlns:a16="http://schemas.microsoft.com/office/drawing/2014/main" val="10004"/>
                   </a:ext>
                 </a:extLst>
               </a:tr>
@@ -7529,7 +7529,7 @@
                 </a:tc>
                 <a:extLst>
                   <a:ext uri="{0D108BD9-81ED-4DB2-BD59-A6C34878D82A}">
-                    <a16:rowId xmlns:a16="http://schemas.microsoft.com/office/drawing/2014/main" xmlns="" val="10005"/>
+                    <a16:rowId xmlns="" xmlns:a16="http://schemas.microsoft.com/office/drawing/2014/main" val="10005"/>
                   </a:ext>
                 </a:extLst>
               </a:tr>
@@ -8019,7 +8019,7 @@
                 </a:tc>
                 <a:extLst>
                   <a:ext uri="{0D108BD9-81ED-4DB2-BD59-A6C34878D82A}">
-                    <a16:rowId xmlns:a16="http://schemas.microsoft.com/office/drawing/2014/main" xmlns="" val="10006"/>
+                    <a16:rowId xmlns="" xmlns:a16="http://schemas.microsoft.com/office/drawing/2014/main" val="10006"/>
                   </a:ext>
                 </a:extLst>
               </a:tr>
@@ -8509,7 +8509,7 @@
                 </a:tc>
                 <a:extLst>
                   <a:ext uri="{0D108BD9-81ED-4DB2-BD59-A6C34878D82A}">
-                    <a16:rowId xmlns:a16="http://schemas.microsoft.com/office/drawing/2014/main" xmlns="" val="10007"/>
+                    <a16:rowId xmlns="" xmlns:a16="http://schemas.microsoft.com/office/drawing/2014/main" val="10007"/>
                   </a:ext>
                 </a:extLst>
               </a:tr>
@@ -9010,7 +9010,7 @@
                 </a:tc>
                 <a:extLst>
                   <a:ext uri="{0D108BD9-81ED-4DB2-BD59-A6C34878D82A}">
-                    <a16:rowId xmlns:a16="http://schemas.microsoft.com/office/drawing/2014/main" xmlns="" val="10008"/>
+                    <a16:rowId xmlns="" xmlns:a16="http://schemas.microsoft.com/office/drawing/2014/main" val="10008"/>
                   </a:ext>
                 </a:extLst>
               </a:tr>
@@ -9511,7 +9511,7 @@
                 </a:tc>
                 <a:extLst>
                   <a:ext uri="{0D108BD9-81ED-4DB2-BD59-A6C34878D82A}">
-                    <a16:rowId xmlns:a16="http://schemas.microsoft.com/office/drawing/2014/main" xmlns="" val="10009"/>
+                    <a16:rowId xmlns="" xmlns:a16="http://schemas.microsoft.com/office/drawing/2014/main" val="10009"/>
                   </a:ext>
                 </a:extLst>
               </a:tr>
@@ -10012,7 +10012,7 @@
                 </a:tc>
                 <a:extLst>
                   <a:ext uri="{0D108BD9-81ED-4DB2-BD59-A6C34878D82A}">
-                    <a16:rowId xmlns:a16="http://schemas.microsoft.com/office/drawing/2014/main" xmlns="" val="10010"/>
+                    <a16:rowId xmlns="" xmlns:a16="http://schemas.microsoft.com/office/drawing/2014/main" val="10010"/>
                   </a:ext>
                 </a:extLst>
               </a:tr>
@@ -10513,7 +10513,7 @@
                 </a:tc>
                 <a:extLst>
                   <a:ext uri="{0D108BD9-81ED-4DB2-BD59-A6C34878D82A}">
-                    <a16:rowId xmlns:a16="http://schemas.microsoft.com/office/drawing/2014/main" xmlns="" val="10011"/>
+                    <a16:rowId xmlns="" xmlns:a16="http://schemas.microsoft.com/office/drawing/2014/main" val="10011"/>
                   </a:ext>
                 </a:extLst>
               </a:tr>
@@ -10547,14 +10547,14 @@
                 <a:gridCol w="1319212">
                   <a:extLst>
                     <a:ext uri="{9D8B030D-6E8A-4147-A177-3AD203B41FA5}">
-                      <a16:colId xmlns:a16="http://schemas.microsoft.com/office/drawing/2014/main" xmlns="" val="20000"/>
+                      <a16:colId xmlns="" xmlns:a16="http://schemas.microsoft.com/office/drawing/2014/main" val="20000"/>
                     </a:ext>
                   </a:extLst>
                 </a:gridCol>
                 <a:gridCol w="1317625">
                   <a:extLst>
                     <a:ext uri="{9D8B030D-6E8A-4147-A177-3AD203B41FA5}">
-                      <a16:colId xmlns:a16="http://schemas.microsoft.com/office/drawing/2014/main" xmlns="" val="20001"/>
+                      <a16:colId xmlns="" xmlns:a16="http://schemas.microsoft.com/office/drawing/2014/main" val="20001"/>
                     </a:ext>
                   </a:extLst>
                 </a:gridCol>
@@ -10739,7 +10739,7 @@
                 </a:tc>
                 <a:extLst>
                   <a:ext uri="{0D108BD9-81ED-4DB2-BD59-A6C34878D82A}">
-                    <a16:rowId xmlns:a16="http://schemas.microsoft.com/office/drawing/2014/main" xmlns="" val="10000"/>
+                    <a16:rowId xmlns="" xmlns:a16="http://schemas.microsoft.com/office/drawing/2014/main" val="10000"/>
                   </a:ext>
                 </a:extLst>
               </a:tr>
@@ -10935,7 +10935,7 @@
                 </a:tc>
                 <a:extLst>
                   <a:ext uri="{0D108BD9-81ED-4DB2-BD59-A6C34878D82A}">
-                    <a16:rowId xmlns:a16="http://schemas.microsoft.com/office/drawing/2014/main" xmlns="" val="10001"/>
+                    <a16:rowId xmlns="" xmlns:a16="http://schemas.microsoft.com/office/drawing/2014/main" val="10001"/>
                   </a:ext>
                 </a:extLst>
               </a:tr>
@@ -11024,14 +11024,14 @@
                 <a:gridCol w="1764767">
                   <a:extLst>
                     <a:ext uri="{9D8B030D-6E8A-4147-A177-3AD203B41FA5}">
-                      <a16:colId xmlns:a16="http://schemas.microsoft.com/office/drawing/2014/main" xmlns="" val="20000"/>
+                      <a16:colId xmlns="" xmlns:a16="http://schemas.microsoft.com/office/drawing/2014/main" val="20000"/>
                     </a:ext>
                   </a:extLst>
                 </a:gridCol>
                 <a:gridCol w="4499508">
                   <a:extLst>
                     <a:ext uri="{9D8B030D-6E8A-4147-A177-3AD203B41FA5}">
-                      <a16:colId xmlns:a16="http://schemas.microsoft.com/office/drawing/2014/main" xmlns="" val="20001"/>
+                      <a16:colId xmlns="" xmlns:a16="http://schemas.microsoft.com/office/drawing/2014/main" val="20001"/>
                     </a:ext>
                   </a:extLst>
                 </a:gridCol>
@@ -11297,7 +11297,7 @@
                 </a:tc>
                 <a:extLst>
                   <a:ext uri="{0D108BD9-81ED-4DB2-BD59-A6C34878D82A}">
-                    <a16:rowId xmlns:a16="http://schemas.microsoft.com/office/drawing/2014/main" xmlns="" val="10000"/>
+                    <a16:rowId xmlns="" xmlns:a16="http://schemas.microsoft.com/office/drawing/2014/main" val="10000"/>
                   </a:ext>
                 </a:extLst>
               </a:tr>
@@ -11484,7 +11484,7 @@
                 </a:tc>
                 <a:extLst>
                   <a:ext uri="{0D108BD9-81ED-4DB2-BD59-A6C34878D82A}">
-                    <a16:rowId xmlns:a16="http://schemas.microsoft.com/office/drawing/2014/main" xmlns="" val="10001"/>
+                    <a16:rowId xmlns="" xmlns:a16="http://schemas.microsoft.com/office/drawing/2014/main" val="10001"/>
                   </a:ext>
                 </a:extLst>
               </a:tr>
@@ -11669,7 +11669,7 @@
                 </a:tc>
                 <a:extLst>
                   <a:ext uri="{0D108BD9-81ED-4DB2-BD59-A6C34878D82A}">
-                    <a16:rowId xmlns:a16="http://schemas.microsoft.com/office/drawing/2014/main" xmlns="" val="10002"/>
+                    <a16:rowId xmlns="" xmlns:a16="http://schemas.microsoft.com/office/drawing/2014/main" val="10002"/>
                   </a:ext>
                 </a:extLst>
               </a:tr>
@@ -11771,7 +11771,7 @@
                 <a:gridCol w="2016125">
                   <a:extLst>
                     <a:ext uri="{9D8B030D-6E8A-4147-A177-3AD203B41FA5}">
-                      <a16:colId xmlns:a16="http://schemas.microsoft.com/office/drawing/2014/main" xmlns="" val="20000"/>
+                      <a16:colId xmlns="" xmlns:a16="http://schemas.microsoft.com/office/drawing/2014/main" val="20000"/>
                     </a:ext>
                   </a:extLst>
                 </a:gridCol>
@@ -11875,7 +11875,7 @@
                 </a:tc>
                 <a:extLst>
                   <a:ext uri="{0D108BD9-81ED-4DB2-BD59-A6C34878D82A}">
-                    <a16:rowId xmlns:a16="http://schemas.microsoft.com/office/drawing/2014/main" xmlns="" val="10000"/>
+                    <a16:rowId xmlns="" xmlns:a16="http://schemas.microsoft.com/office/drawing/2014/main" val="10000"/>
                   </a:ext>
                 </a:extLst>
               </a:tr>
@@ -12786,7 +12786,7 @@
           <p:cNvPr id="83" name="TextBox 82">
             <a:extLst>
               <a:ext uri="{FF2B5EF4-FFF2-40B4-BE49-F238E27FC236}">
-                <a16:creationId xmlns:a16="http://schemas.microsoft.com/office/drawing/2014/main" xmlns="" id="{D8F00BF2-FBDC-404E-9341-14F27CDEB610}"/>
+                <a16:creationId xmlns="" xmlns:a16="http://schemas.microsoft.com/office/drawing/2014/main" id="{D8F00BF2-FBDC-404E-9341-14F27CDEB610}"/>
               </a:ext>
             </a:extLst>
           </p:cNvPr>
@@ -14215,7 +14215,7 @@
           <p:cNvPr id="33" name="직사각형 21">
             <a:extLst>
               <a:ext uri="{FF2B5EF4-FFF2-40B4-BE49-F238E27FC236}">
-                <a16:creationId xmlns:a16="http://schemas.microsoft.com/office/drawing/2014/main" xmlns="" id="{C4ABFF7D-C18F-4580-9A8D-DCCC507C7F6E}"/>
+                <a16:creationId xmlns="" xmlns:a16="http://schemas.microsoft.com/office/drawing/2014/main" id="{C4ABFF7D-C18F-4580-9A8D-DCCC507C7F6E}"/>
               </a:ext>
             </a:extLst>
           </p:cNvPr>
@@ -14375,7 +14375,7 @@
                 <a:gridCol w="2016125">
                   <a:extLst>
                     <a:ext uri="{9D8B030D-6E8A-4147-A177-3AD203B41FA5}">
-                      <a16:colId xmlns:a16="http://schemas.microsoft.com/office/drawing/2014/main" xmlns="" val="20000"/>
+                      <a16:colId xmlns="" xmlns:a16="http://schemas.microsoft.com/office/drawing/2014/main" val="20000"/>
                     </a:ext>
                   </a:extLst>
                 </a:gridCol>
@@ -14479,7 +14479,7 @@
                 </a:tc>
                 <a:extLst>
                   <a:ext uri="{0D108BD9-81ED-4DB2-BD59-A6C34878D82A}">
-                    <a16:rowId xmlns:a16="http://schemas.microsoft.com/office/drawing/2014/main" xmlns="" val="10000"/>
+                    <a16:rowId xmlns="" xmlns:a16="http://schemas.microsoft.com/office/drawing/2014/main" val="10000"/>
                   </a:ext>
                 </a:extLst>
               </a:tr>
@@ -15330,7 +15330,7 @@
           <p:cNvPr id="58" name="TextBox 57">
             <a:extLst>
               <a:ext uri="{FF2B5EF4-FFF2-40B4-BE49-F238E27FC236}">
-                <a16:creationId xmlns:a16="http://schemas.microsoft.com/office/drawing/2014/main" xmlns="" id="{97D87ACC-F110-408C-B82D-7FBDA13C25BF}"/>
+                <a16:creationId xmlns="" xmlns:a16="http://schemas.microsoft.com/office/drawing/2014/main" id="{97D87ACC-F110-408C-B82D-7FBDA13C25BF}"/>
               </a:ext>
             </a:extLst>
           </p:cNvPr>
@@ -15698,21 +15698,21 @@
                 <a:gridCol w="323527">
                   <a:extLst>
                     <a:ext uri="{9D8B030D-6E8A-4147-A177-3AD203B41FA5}">
-                      <a16:colId xmlns:a16="http://schemas.microsoft.com/office/drawing/2014/main" xmlns="" val="20000"/>
+                      <a16:colId xmlns="" xmlns:a16="http://schemas.microsoft.com/office/drawing/2014/main" val="20000"/>
                     </a:ext>
                   </a:extLst>
                 </a:gridCol>
                 <a:gridCol w="323527">
                   <a:extLst>
                     <a:ext uri="{9D8B030D-6E8A-4147-A177-3AD203B41FA5}">
-                      <a16:colId xmlns:a16="http://schemas.microsoft.com/office/drawing/2014/main" xmlns="" val="20001"/>
+                      <a16:colId xmlns="" xmlns:a16="http://schemas.microsoft.com/office/drawing/2014/main" val="20001"/>
                     </a:ext>
                   </a:extLst>
                 </a:gridCol>
                 <a:gridCol w="323527">
                   <a:extLst>
                     <a:ext uri="{9D8B030D-6E8A-4147-A177-3AD203B41FA5}">
-                      <a16:colId xmlns:a16="http://schemas.microsoft.com/office/drawing/2014/main" xmlns="" val="20002"/>
+                      <a16:colId xmlns="" xmlns:a16="http://schemas.microsoft.com/office/drawing/2014/main" val="20002"/>
                     </a:ext>
                   </a:extLst>
                 </a:gridCol>
@@ -15915,7 +15915,7 @@
                 </a:tc>
                 <a:extLst>
                   <a:ext uri="{0D108BD9-81ED-4DB2-BD59-A6C34878D82A}">
-                    <a16:rowId xmlns:a16="http://schemas.microsoft.com/office/drawing/2014/main" xmlns="" val="10000"/>
+                    <a16:rowId xmlns="" xmlns:a16="http://schemas.microsoft.com/office/drawing/2014/main" val="10000"/>
                   </a:ext>
                 </a:extLst>
               </a:tr>
@@ -16123,7 +16123,7 @@
                 </a:tc>
                 <a:extLst>
                   <a:ext uri="{0D108BD9-81ED-4DB2-BD59-A6C34878D82A}">
-                    <a16:rowId xmlns:a16="http://schemas.microsoft.com/office/drawing/2014/main" xmlns="" val="10001"/>
+                    <a16:rowId xmlns="" xmlns:a16="http://schemas.microsoft.com/office/drawing/2014/main" val="10001"/>
                   </a:ext>
                 </a:extLst>
               </a:tr>
@@ -16336,7 +16336,7 @@
                 </a:tc>
                 <a:extLst>
                   <a:ext uri="{0D108BD9-81ED-4DB2-BD59-A6C34878D82A}">
-                    <a16:rowId xmlns:a16="http://schemas.microsoft.com/office/drawing/2014/main" xmlns="" val="10002"/>
+                    <a16:rowId xmlns="" xmlns:a16="http://schemas.microsoft.com/office/drawing/2014/main" val="10002"/>
                   </a:ext>
                 </a:extLst>
               </a:tr>
@@ -16549,7 +16549,7 @@
                 </a:tc>
                 <a:extLst>
                   <a:ext uri="{0D108BD9-81ED-4DB2-BD59-A6C34878D82A}">
-                    <a16:rowId xmlns:a16="http://schemas.microsoft.com/office/drawing/2014/main" xmlns="" val="10003"/>
+                    <a16:rowId xmlns="" xmlns:a16="http://schemas.microsoft.com/office/drawing/2014/main" val="10003"/>
                   </a:ext>
                 </a:extLst>
               </a:tr>
@@ -16762,7 +16762,7 @@
                 </a:tc>
                 <a:extLst>
                   <a:ext uri="{0D108BD9-81ED-4DB2-BD59-A6C34878D82A}">
-                    <a16:rowId xmlns:a16="http://schemas.microsoft.com/office/drawing/2014/main" xmlns="" val="10004"/>
+                    <a16:rowId xmlns="" xmlns:a16="http://schemas.microsoft.com/office/drawing/2014/main" val="10004"/>
                   </a:ext>
                 </a:extLst>
               </a:tr>
@@ -17491,21 +17491,21 @@
                 <a:gridCol w="323527">
                   <a:extLst>
                     <a:ext uri="{9D8B030D-6E8A-4147-A177-3AD203B41FA5}">
-                      <a16:colId xmlns:a16="http://schemas.microsoft.com/office/drawing/2014/main" xmlns="" val="20000"/>
+                      <a16:colId xmlns="" xmlns:a16="http://schemas.microsoft.com/office/drawing/2014/main" val="20000"/>
                     </a:ext>
                   </a:extLst>
                 </a:gridCol>
                 <a:gridCol w="323527">
                   <a:extLst>
                     <a:ext uri="{9D8B030D-6E8A-4147-A177-3AD203B41FA5}">
-                      <a16:colId xmlns:a16="http://schemas.microsoft.com/office/drawing/2014/main" xmlns="" val="20001"/>
+                      <a16:colId xmlns="" xmlns:a16="http://schemas.microsoft.com/office/drawing/2014/main" val="20001"/>
                     </a:ext>
                   </a:extLst>
                 </a:gridCol>
                 <a:gridCol w="323527">
                   <a:extLst>
                     <a:ext uri="{9D8B030D-6E8A-4147-A177-3AD203B41FA5}">
-                      <a16:colId xmlns:a16="http://schemas.microsoft.com/office/drawing/2014/main" xmlns="" val="20002"/>
+                      <a16:colId xmlns="" xmlns:a16="http://schemas.microsoft.com/office/drawing/2014/main" val="20002"/>
                     </a:ext>
                   </a:extLst>
                 </a:gridCol>
@@ -17713,7 +17713,7 @@
                 </a:tc>
                 <a:extLst>
                   <a:ext uri="{0D108BD9-81ED-4DB2-BD59-A6C34878D82A}">
-                    <a16:rowId xmlns:a16="http://schemas.microsoft.com/office/drawing/2014/main" xmlns="" val="10000"/>
+                    <a16:rowId xmlns="" xmlns:a16="http://schemas.microsoft.com/office/drawing/2014/main" val="10000"/>
                   </a:ext>
                 </a:extLst>
               </a:tr>
@@ -17926,7 +17926,7 @@
                 </a:tc>
                 <a:extLst>
                   <a:ext uri="{0D108BD9-81ED-4DB2-BD59-A6C34878D82A}">
-                    <a16:rowId xmlns:a16="http://schemas.microsoft.com/office/drawing/2014/main" xmlns="" val="10001"/>
+                    <a16:rowId xmlns="" xmlns:a16="http://schemas.microsoft.com/office/drawing/2014/main" val="10001"/>
                   </a:ext>
                 </a:extLst>
               </a:tr>
@@ -18139,7 +18139,7 @@
                 </a:tc>
                 <a:extLst>
                   <a:ext uri="{0D108BD9-81ED-4DB2-BD59-A6C34878D82A}">
-                    <a16:rowId xmlns:a16="http://schemas.microsoft.com/office/drawing/2014/main" xmlns="" val="10002"/>
+                    <a16:rowId xmlns="" xmlns:a16="http://schemas.microsoft.com/office/drawing/2014/main" val="10002"/>
                   </a:ext>
                 </a:extLst>
               </a:tr>
@@ -18353,7 +18353,7 @@
           <p:cNvPr id="29" name="직사각형 21">
             <a:extLst>
               <a:ext uri="{FF2B5EF4-FFF2-40B4-BE49-F238E27FC236}">
-                <a16:creationId xmlns:a16="http://schemas.microsoft.com/office/drawing/2014/main" xmlns="" id="{C4ABFF7D-C18F-4580-9A8D-DCCC507C7F6E}"/>
+                <a16:creationId xmlns="" xmlns:a16="http://schemas.microsoft.com/office/drawing/2014/main" id="{C4ABFF7D-C18F-4580-9A8D-DCCC507C7F6E}"/>
               </a:ext>
             </a:extLst>
           </p:cNvPr>
@@ -18505,7 +18505,7 @@
                 <a:gridCol w="2016125">
                   <a:extLst>
                     <a:ext uri="{9D8B030D-6E8A-4147-A177-3AD203B41FA5}">
-                      <a16:colId xmlns:a16="http://schemas.microsoft.com/office/drawing/2014/main" xmlns="" val="20000"/>
+                      <a16:colId xmlns="" xmlns:a16="http://schemas.microsoft.com/office/drawing/2014/main" val="20000"/>
                     </a:ext>
                   </a:extLst>
                 </a:gridCol>
@@ -18609,7 +18609,7 @@
                 </a:tc>
                 <a:extLst>
                   <a:ext uri="{0D108BD9-81ED-4DB2-BD59-A6C34878D82A}">
-                    <a16:rowId xmlns:a16="http://schemas.microsoft.com/office/drawing/2014/main" xmlns="" val="10000"/>
+                    <a16:rowId xmlns="" xmlns:a16="http://schemas.microsoft.com/office/drawing/2014/main" val="10000"/>
                   </a:ext>
                 </a:extLst>
               </a:tr>
@@ -19053,7 +19053,7 @@
           <p:cNvPr id="11" name="직사각형 21">
             <a:extLst>
               <a:ext uri="{FF2B5EF4-FFF2-40B4-BE49-F238E27FC236}">
-                <a16:creationId xmlns:a16="http://schemas.microsoft.com/office/drawing/2014/main" xmlns="" id="{C4ABFF7D-C18F-4580-9A8D-DCCC507C7F6E}"/>
+                <a16:creationId xmlns="" xmlns:a16="http://schemas.microsoft.com/office/drawing/2014/main" id="{C4ABFF7D-C18F-4580-9A8D-DCCC507C7F6E}"/>
               </a:ext>
             </a:extLst>
           </p:cNvPr>
@@ -19164,7 +19164,7 @@
                 <a:gridCol w="2016125">
                   <a:extLst>
                     <a:ext uri="{9D8B030D-6E8A-4147-A177-3AD203B41FA5}">
-                      <a16:colId xmlns:a16="http://schemas.microsoft.com/office/drawing/2014/main" xmlns="" val="20000"/>
+                      <a16:colId xmlns="" xmlns:a16="http://schemas.microsoft.com/office/drawing/2014/main" val="20000"/>
                     </a:ext>
                   </a:extLst>
                 </a:gridCol>
@@ -19268,7 +19268,7 @@
                 </a:tc>
                 <a:extLst>
                   <a:ext uri="{0D108BD9-81ED-4DB2-BD59-A6C34878D82A}">
-                    <a16:rowId xmlns:a16="http://schemas.microsoft.com/office/drawing/2014/main" xmlns="" val="10000"/>
+                    <a16:rowId xmlns="" xmlns:a16="http://schemas.microsoft.com/office/drawing/2014/main" val="10000"/>
                   </a:ext>
                 </a:extLst>
               </a:tr>
@@ -19909,7 +19909,7 @@
           <p:cNvPr id="17" name="직사각형 21">
             <a:extLst>
               <a:ext uri="{FF2B5EF4-FFF2-40B4-BE49-F238E27FC236}">
-                <a16:creationId xmlns:a16="http://schemas.microsoft.com/office/drawing/2014/main" xmlns="" id="{5D6D5983-43F0-448A-B261-52D65AAEDFA6}"/>
+                <a16:creationId xmlns="" xmlns:a16="http://schemas.microsoft.com/office/drawing/2014/main" id="{5D6D5983-43F0-448A-B261-52D65AAEDFA6}"/>
               </a:ext>
             </a:extLst>
           </p:cNvPr>
@@ -20356,7 +20356,7 @@
                 <a:gridCol w="2016125">
                   <a:extLst>
                     <a:ext uri="{9D8B030D-6E8A-4147-A177-3AD203B41FA5}">
-                      <a16:colId xmlns:a16="http://schemas.microsoft.com/office/drawing/2014/main" xmlns="" val="20000"/>
+                      <a16:colId xmlns="" xmlns:a16="http://schemas.microsoft.com/office/drawing/2014/main" val="20000"/>
                     </a:ext>
                   </a:extLst>
                 </a:gridCol>
@@ -20460,7 +20460,7 @@
                 </a:tc>
                 <a:extLst>
                   <a:ext uri="{0D108BD9-81ED-4DB2-BD59-A6C34878D82A}">
-                    <a16:rowId xmlns:a16="http://schemas.microsoft.com/office/drawing/2014/main" xmlns="" val="10000"/>
+                    <a16:rowId xmlns="" xmlns:a16="http://schemas.microsoft.com/office/drawing/2014/main" val="10000"/>
                   </a:ext>
                 </a:extLst>
               </a:tr>
@@ -21244,7 +21244,7 @@
           <p:cNvPr id="27" name="직사각형 21">
             <a:extLst>
               <a:ext uri="{FF2B5EF4-FFF2-40B4-BE49-F238E27FC236}">
-                <a16:creationId xmlns:a16="http://schemas.microsoft.com/office/drawing/2014/main" xmlns="" id="{FC05FCCF-B4EB-4DEA-B8F4-A135E45BAF82}"/>
+                <a16:creationId xmlns="" xmlns:a16="http://schemas.microsoft.com/office/drawing/2014/main" id="{FC05FCCF-B4EB-4DEA-B8F4-A135E45BAF82}"/>
               </a:ext>
             </a:extLst>
           </p:cNvPr>
@@ -21669,49 +21669,49 @@
                 <a:gridCol w="540184">
                   <a:extLst>
                     <a:ext uri="{9D8B030D-6E8A-4147-A177-3AD203B41FA5}">
-                      <a16:colId xmlns:a16="http://schemas.microsoft.com/office/drawing/2014/main" xmlns="" val="20000"/>
+                      <a16:colId xmlns="" xmlns:a16="http://schemas.microsoft.com/office/drawing/2014/main" val="20000"/>
                     </a:ext>
                   </a:extLst>
                 </a:gridCol>
                 <a:gridCol w="576064">
                   <a:extLst>
                     <a:ext uri="{9D8B030D-6E8A-4147-A177-3AD203B41FA5}">
-                      <a16:colId xmlns:a16="http://schemas.microsoft.com/office/drawing/2014/main" xmlns="" val="20001"/>
+                      <a16:colId xmlns="" xmlns:a16="http://schemas.microsoft.com/office/drawing/2014/main" val="20001"/>
                     </a:ext>
                   </a:extLst>
                 </a:gridCol>
                 <a:gridCol w="2929184">
                   <a:extLst>
                     <a:ext uri="{9D8B030D-6E8A-4147-A177-3AD203B41FA5}">
-                      <a16:colId xmlns:a16="http://schemas.microsoft.com/office/drawing/2014/main" xmlns="" val="20002"/>
+                      <a16:colId xmlns="" xmlns:a16="http://schemas.microsoft.com/office/drawing/2014/main" val="20002"/>
                     </a:ext>
                   </a:extLst>
                 </a:gridCol>
                 <a:gridCol w="675797">
                   <a:extLst>
                     <a:ext uri="{9D8B030D-6E8A-4147-A177-3AD203B41FA5}">
-                      <a16:colId xmlns:a16="http://schemas.microsoft.com/office/drawing/2014/main" xmlns="" val="20003"/>
+                      <a16:colId xmlns="" xmlns:a16="http://schemas.microsoft.com/office/drawing/2014/main" val="20003"/>
                     </a:ext>
                   </a:extLst>
                 </a:gridCol>
                 <a:gridCol w="1277955">
                   <a:extLst>
                     <a:ext uri="{9D8B030D-6E8A-4147-A177-3AD203B41FA5}">
-                      <a16:colId xmlns:a16="http://schemas.microsoft.com/office/drawing/2014/main" xmlns="" val="20004"/>
+                      <a16:colId xmlns="" xmlns:a16="http://schemas.microsoft.com/office/drawing/2014/main" val="20004"/>
                     </a:ext>
                   </a:extLst>
                 </a:gridCol>
                 <a:gridCol w="1789137">
                   <a:extLst>
                     <a:ext uri="{9D8B030D-6E8A-4147-A177-3AD203B41FA5}">
-                      <a16:colId xmlns:a16="http://schemas.microsoft.com/office/drawing/2014/main" xmlns="" val="20005"/>
+                      <a16:colId xmlns="" xmlns:a16="http://schemas.microsoft.com/office/drawing/2014/main" val="20005"/>
                     </a:ext>
                   </a:extLst>
                 </a:gridCol>
                 <a:gridCol w="985851">
                   <a:extLst>
                     <a:ext uri="{9D8B030D-6E8A-4147-A177-3AD203B41FA5}">
-                      <a16:colId xmlns:a16="http://schemas.microsoft.com/office/drawing/2014/main" xmlns="" val="20006"/>
+                      <a16:colId xmlns="" xmlns:a16="http://schemas.microsoft.com/office/drawing/2014/main" val="20006"/>
                     </a:ext>
                   </a:extLst>
                 </a:gridCol>
@@ -22283,7 +22283,7 @@
                 </a:tc>
                 <a:extLst>
                   <a:ext uri="{0D108BD9-81ED-4DB2-BD59-A6C34878D82A}">
-                    <a16:rowId xmlns:a16="http://schemas.microsoft.com/office/drawing/2014/main" xmlns="" val="10000"/>
+                    <a16:rowId xmlns="" xmlns:a16="http://schemas.microsoft.com/office/drawing/2014/main" val="10000"/>
                   </a:ext>
                 </a:extLst>
               </a:tr>
@@ -22947,7 +22947,7 @@
                 </a:tc>
                 <a:extLst>
                   <a:ext uri="{0D108BD9-81ED-4DB2-BD59-A6C34878D82A}">
-                    <a16:rowId xmlns:a16="http://schemas.microsoft.com/office/drawing/2014/main" xmlns="" val="10001"/>
+                    <a16:rowId xmlns="" xmlns:a16="http://schemas.microsoft.com/office/drawing/2014/main" val="10001"/>
                   </a:ext>
                 </a:extLst>
               </a:tr>
@@ -23747,7 +23747,7 @@
                 </a:tc>
                 <a:extLst>
                   <a:ext uri="{0D108BD9-81ED-4DB2-BD59-A6C34878D82A}">
-                    <a16:rowId xmlns:a16="http://schemas.microsoft.com/office/drawing/2014/main" xmlns="" val="10002"/>
+                    <a16:rowId xmlns="" xmlns:a16="http://schemas.microsoft.com/office/drawing/2014/main" val="10002"/>
                   </a:ext>
                 </a:extLst>
               </a:tr>
@@ -24552,7 +24552,7 @@
                 </a:tc>
                 <a:extLst>
                   <a:ext uri="{0D108BD9-81ED-4DB2-BD59-A6C34878D82A}">
-                    <a16:rowId xmlns:a16="http://schemas.microsoft.com/office/drawing/2014/main" xmlns="" val="10003"/>
+                    <a16:rowId xmlns="" xmlns:a16="http://schemas.microsoft.com/office/drawing/2014/main" val="10003"/>
                   </a:ext>
                 </a:extLst>
               </a:tr>
@@ -25215,7 +25215,7 @@
                 </a:tc>
                 <a:extLst>
                   <a:ext uri="{0D108BD9-81ED-4DB2-BD59-A6C34878D82A}">
-                    <a16:rowId xmlns:a16="http://schemas.microsoft.com/office/drawing/2014/main" xmlns="" val="10004"/>
+                    <a16:rowId xmlns="" xmlns:a16="http://schemas.microsoft.com/office/drawing/2014/main" val="10004"/>
                   </a:ext>
                 </a:extLst>
               </a:tr>
@@ -25869,7 +25869,7 @@
                 </a:tc>
                 <a:extLst>
                   <a:ext uri="{0D108BD9-81ED-4DB2-BD59-A6C34878D82A}">
-                    <a16:rowId xmlns:a16="http://schemas.microsoft.com/office/drawing/2014/main" xmlns="" val="10005"/>
+                    <a16:rowId xmlns="" xmlns:a16="http://schemas.microsoft.com/office/drawing/2014/main" val="10005"/>
                   </a:ext>
                 </a:extLst>
               </a:tr>
@@ -26494,7 +26494,7 @@
                 </a:tc>
                 <a:extLst>
                   <a:ext uri="{0D108BD9-81ED-4DB2-BD59-A6C34878D82A}">
-                    <a16:rowId xmlns:a16="http://schemas.microsoft.com/office/drawing/2014/main" xmlns="" val="10006"/>
+                    <a16:rowId xmlns="" xmlns:a16="http://schemas.microsoft.com/office/drawing/2014/main" val="10006"/>
                   </a:ext>
                 </a:extLst>
               </a:tr>
@@ -26973,7 +26973,7 @@
                 </a:tc>
                 <a:extLst>
                   <a:ext uri="{0D108BD9-81ED-4DB2-BD59-A6C34878D82A}">
-                    <a16:rowId xmlns:a16="http://schemas.microsoft.com/office/drawing/2014/main" xmlns="" val="10007"/>
+                    <a16:rowId xmlns="" xmlns:a16="http://schemas.microsoft.com/office/drawing/2014/main" val="10007"/>
                   </a:ext>
                 </a:extLst>
               </a:tr>
@@ -27009,14 +27009,14 @@
                 <a:gridCol w="3048000">
                   <a:extLst>
                     <a:ext uri="{9D8B030D-6E8A-4147-A177-3AD203B41FA5}">
-                      <a16:colId xmlns:a16="http://schemas.microsoft.com/office/drawing/2014/main" xmlns="" val="20000"/>
+                      <a16:colId xmlns="" xmlns:a16="http://schemas.microsoft.com/office/drawing/2014/main" val="20000"/>
                     </a:ext>
                   </a:extLst>
                 </a:gridCol>
                 <a:gridCol w="2244588">
                   <a:extLst>
                     <a:ext uri="{9D8B030D-6E8A-4147-A177-3AD203B41FA5}">
-                      <a16:colId xmlns:a16="http://schemas.microsoft.com/office/drawing/2014/main" xmlns="" val="20001"/>
+                      <a16:colId xmlns="" xmlns:a16="http://schemas.microsoft.com/office/drawing/2014/main" val="20001"/>
                     </a:ext>
                   </a:extLst>
                 </a:gridCol>
@@ -27181,7 +27181,7 @@
                 </a:tc>
                 <a:extLst>
                   <a:ext uri="{0D108BD9-81ED-4DB2-BD59-A6C34878D82A}">
-                    <a16:rowId xmlns:a16="http://schemas.microsoft.com/office/drawing/2014/main" xmlns="" val="10000"/>
+                    <a16:rowId xmlns="" xmlns:a16="http://schemas.microsoft.com/office/drawing/2014/main" val="10000"/>
                   </a:ext>
                 </a:extLst>
               </a:tr>
@@ -27310,7 +27310,7 @@
                 </a:tc>
                 <a:extLst>
                   <a:ext uri="{0D108BD9-81ED-4DB2-BD59-A6C34878D82A}">
-                    <a16:rowId xmlns:a16="http://schemas.microsoft.com/office/drawing/2014/main" xmlns="" val="10001"/>
+                    <a16:rowId xmlns="" xmlns:a16="http://schemas.microsoft.com/office/drawing/2014/main" val="10001"/>
                   </a:ext>
                 </a:extLst>
               </a:tr>
@@ -27439,7 +27439,7 @@
                 </a:tc>
                 <a:extLst>
                   <a:ext uri="{0D108BD9-81ED-4DB2-BD59-A6C34878D82A}">
-                    <a16:rowId xmlns:a16="http://schemas.microsoft.com/office/drawing/2014/main" xmlns="" val="10002"/>
+                    <a16:rowId xmlns="" xmlns:a16="http://schemas.microsoft.com/office/drawing/2014/main" val="10002"/>
                   </a:ext>
                 </a:extLst>
               </a:tr>
@@ -27589,7 +27589,7 @@
                 </a:tc>
                 <a:extLst>
                   <a:ext uri="{0D108BD9-81ED-4DB2-BD59-A6C34878D82A}">
-                    <a16:rowId xmlns:a16="http://schemas.microsoft.com/office/drawing/2014/main" xmlns="" val="10003"/>
+                    <a16:rowId xmlns="" xmlns:a16="http://schemas.microsoft.com/office/drawing/2014/main" val="10003"/>
                   </a:ext>
                 </a:extLst>
               </a:tr>
@@ -27718,7 +27718,7 @@
                 </a:tc>
                 <a:extLst>
                   <a:ext uri="{0D108BD9-81ED-4DB2-BD59-A6C34878D82A}">
-                    <a16:rowId xmlns:a16="http://schemas.microsoft.com/office/drawing/2014/main" xmlns="" val="10004"/>
+                    <a16:rowId xmlns="" xmlns:a16="http://schemas.microsoft.com/office/drawing/2014/main" val="10004"/>
                   </a:ext>
                 </a:extLst>
               </a:tr>
@@ -27843,7 +27843,7 @@
                 </a:tc>
                 <a:extLst>
                   <a:ext uri="{0D108BD9-81ED-4DB2-BD59-A6C34878D82A}">
-                    <a16:rowId xmlns:a16="http://schemas.microsoft.com/office/drawing/2014/main" xmlns="" val="10005"/>
+                    <a16:rowId xmlns="" xmlns:a16="http://schemas.microsoft.com/office/drawing/2014/main" val="10005"/>
                   </a:ext>
                 </a:extLst>
               </a:tr>
@@ -27968,7 +27968,7 @@
                 </a:tc>
                 <a:extLst>
                   <a:ext uri="{0D108BD9-81ED-4DB2-BD59-A6C34878D82A}">
-                    <a16:rowId xmlns:a16="http://schemas.microsoft.com/office/drawing/2014/main" xmlns="" val="10006"/>
+                    <a16:rowId xmlns="" xmlns:a16="http://schemas.microsoft.com/office/drawing/2014/main" val="10006"/>
                   </a:ext>
                 </a:extLst>
               </a:tr>
@@ -28093,7 +28093,7 @@
                 </a:tc>
                 <a:extLst>
                   <a:ext uri="{0D108BD9-81ED-4DB2-BD59-A6C34878D82A}">
-                    <a16:rowId xmlns:a16="http://schemas.microsoft.com/office/drawing/2014/main" xmlns="" val="10007"/>
+                    <a16:rowId xmlns="" xmlns:a16="http://schemas.microsoft.com/office/drawing/2014/main" val="10007"/>
                   </a:ext>
                 </a:extLst>
               </a:tr>
@@ -28243,7 +28243,7 @@
                 </a:tc>
                 <a:extLst>
                   <a:ext uri="{0D108BD9-81ED-4DB2-BD59-A6C34878D82A}">
-                    <a16:rowId xmlns:a16="http://schemas.microsoft.com/office/drawing/2014/main" xmlns="" val="10008"/>
+                    <a16:rowId xmlns="" xmlns:a16="http://schemas.microsoft.com/office/drawing/2014/main" val="10008"/>
                   </a:ext>
                 </a:extLst>
               </a:tr>
@@ -28393,7 +28393,7 @@
                 </a:tc>
                 <a:extLst>
                   <a:ext uri="{0D108BD9-81ED-4DB2-BD59-A6C34878D82A}">
-                    <a16:rowId xmlns:a16="http://schemas.microsoft.com/office/drawing/2014/main" xmlns="" val="10009"/>
+                    <a16:rowId xmlns="" xmlns:a16="http://schemas.microsoft.com/office/drawing/2014/main" val="10009"/>
                   </a:ext>
                 </a:extLst>
               </a:tr>
@@ -28543,7 +28543,7 @@
                 </a:tc>
                 <a:extLst>
                   <a:ext uri="{0D108BD9-81ED-4DB2-BD59-A6C34878D82A}">
-                    <a16:rowId xmlns:a16="http://schemas.microsoft.com/office/drawing/2014/main" xmlns="" val="10010"/>
+                    <a16:rowId xmlns="" xmlns:a16="http://schemas.microsoft.com/office/drawing/2014/main" val="10010"/>
                   </a:ext>
                 </a:extLst>
               </a:tr>
@@ -28724,7 +28724,7 @@
                 </a:tc>
                 <a:extLst>
                   <a:ext uri="{0D108BD9-81ED-4DB2-BD59-A6C34878D82A}">
-                    <a16:rowId xmlns:a16="http://schemas.microsoft.com/office/drawing/2014/main" xmlns="" val="10011"/>
+                    <a16:rowId xmlns="" xmlns:a16="http://schemas.microsoft.com/office/drawing/2014/main" val="10011"/>
                   </a:ext>
                 </a:extLst>
               </a:tr>
@@ -28930,7 +28930,7 @@
                 </a:tc>
                 <a:extLst>
                   <a:ext uri="{0D108BD9-81ED-4DB2-BD59-A6C34878D82A}">
-                    <a16:rowId xmlns:a16="http://schemas.microsoft.com/office/drawing/2014/main" xmlns="" val="10012"/>
+                    <a16:rowId xmlns="" xmlns:a16="http://schemas.microsoft.com/office/drawing/2014/main" val="10012"/>
                   </a:ext>
                 </a:extLst>
               </a:tr>
@@ -29047,7 +29047,7 @@
                 <a:gridCol w="2016125">
                   <a:extLst>
                     <a:ext uri="{9D8B030D-6E8A-4147-A177-3AD203B41FA5}">
-                      <a16:colId xmlns:a16="http://schemas.microsoft.com/office/drawing/2014/main" xmlns="" val="20000"/>
+                      <a16:colId xmlns="" xmlns:a16="http://schemas.microsoft.com/office/drawing/2014/main" val="20000"/>
                     </a:ext>
                   </a:extLst>
                 </a:gridCol>
@@ -29151,7 +29151,7 @@
                 </a:tc>
                 <a:extLst>
                   <a:ext uri="{0D108BD9-81ED-4DB2-BD59-A6C34878D82A}">
-                    <a16:rowId xmlns:a16="http://schemas.microsoft.com/office/drawing/2014/main" xmlns="" val="10000"/>
+                    <a16:rowId xmlns="" xmlns:a16="http://schemas.microsoft.com/office/drawing/2014/main" val="10000"/>
                   </a:ext>
                 </a:extLst>
               </a:tr>
@@ -29813,7 +29813,7 @@
                 <a:gridCol w="2016125">
                   <a:extLst>
                     <a:ext uri="{9D8B030D-6E8A-4147-A177-3AD203B41FA5}">
-                      <a16:colId xmlns:a16="http://schemas.microsoft.com/office/drawing/2014/main" xmlns="" val="20000"/>
+                      <a16:colId xmlns="" xmlns:a16="http://schemas.microsoft.com/office/drawing/2014/main" val="20000"/>
                     </a:ext>
                   </a:extLst>
                 </a:gridCol>
@@ -29917,7 +29917,7 @@
                 </a:tc>
                 <a:extLst>
                   <a:ext uri="{0D108BD9-81ED-4DB2-BD59-A6C34878D82A}">
-                    <a16:rowId xmlns:a16="http://schemas.microsoft.com/office/drawing/2014/main" xmlns="" val="10000"/>
+                    <a16:rowId xmlns="" xmlns:a16="http://schemas.microsoft.com/office/drawing/2014/main" val="10000"/>
                   </a:ext>
                 </a:extLst>
               </a:tr>
@@ -30009,14 +30009,14 @@
                 <a:gridCol w="1619187">
                   <a:extLst>
                     <a:ext uri="{9D8B030D-6E8A-4147-A177-3AD203B41FA5}">
-                      <a16:colId xmlns:a16="http://schemas.microsoft.com/office/drawing/2014/main" xmlns="" val="20000"/>
+                      <a16:colId xmlns="" xmlns:a16="http://schemas.microsoft.com/office/drawing/2014/main" val="20000"/>
                     </a:ext>
                   </a:extLst>
                 </a:gridCol>
                 <a:gridCol w="5136616">
                   <a:extLst>
                     <a:ext uri="{9D8B030D-6E8A-4147-A177-3AD203B41FA5}">
-                      <a16:colId xmlns:a16="http://schemas.microsoft.com/office/drawing/2014/main" xmlns="" val="20001"/>
+                      <a16:colId xmlns="" xmlns:a16="http://schemas.microsoft.com/office/drawing/2014/main" val="20001"/>
                     </a:ext>
                   </a:extLst>
                 </a:gridCol>
@@ -30184,7 +30184,7 @@
                 </a:tc>
                 <a:extLst>
                   <a:ext uri="{0D108BD9-81ED-4DB2-BD59-A6C34878D82A}">
-                    <a16:rowId xmlns:a16="http://schemas.microsoft.com/office/drawing/2014/main" xmlns="" val="10000"/>
+                    <a16:rowId xmlns="" xmlns:a16="http://schemas.microsoft.com/office/drawing/2014/main" val="10000"/>
                   </a:ext>
                 </a:extLst>
               </a:tr>
@@ -30554,7 +30554,7 @@
           <p:cNvPr id="23" name="직사각형 21">
             <a:extLst>
               <a:ext uri="{FF2B5EF4-FFF2-40B4-BE49-F238E27FC236}">
-                <a16:creationId xmlns:a16="http://schemas.microsoft.com/office/drawing/2014/main" xmlns="" id="{1DDBCD9C-26E5-4707-B8C9-3EDA5B916600}"/>
+                <a16:creationId xmlns="" xmlns:a16="http://schemas.microsoft.com/office/drawing/2014/main" id="{1DDBCD9C-26E5-4707-B8C9-3EDA5B916600}"/>
               </a:ext>
             </a:extLst>
           </p:cNvPr>
@@ -30874,7 +30874,7 @@
                 <a:gridCol w="2016125">
                   <a:extLst>
                     <a:ext uri="{9D8B030D-6E8A-4147-A177-3AD203B41FA5}">
-                      <a16:colId xmlns:a16="http://schemas.microsoft.com/office/drawing/2014/main" xmlns="" val="20000"/>
+                      <a16:colId xmlns="" xmlns:a16="http://schemas.microsoft.com/office/drawing/2014/main" val="20000"/>
                     </a:ext>
                   </a:extLst>
                 </a:gridCol>
@@ -30978,7 +30978,7 @@
                 </a:tc>
                 <a:extLst>
                   <a:ext uri="{0D108BD9-81ED-4DB2-BD59-A6C34878D82A}">
-                    <a16:rowId xmlns:a16="http://schemas.microsoft.com/office/drawing/2014/main" xmlns="" val="10000"/>
+                    <a16:rowId xmlns="" xmlns:a16="http://schemas.microsoft.com/office/drawing/2014/main" val="10000"/>
                   </a:ext>
                 </a:extLst>
               </a:tr>
@@ -31070,14 +31070,14 @@
                 <a:gridCol w="858104">
                   <a:extLst>
                     <a:ext uri="{9D8B030D-6E8A-4147-A177-3AD203B41FA5}">
-                      <a16:colId xmlns:a16="http://schemas.microsoft.com/office/drawing/2014/main" xmlns="" val="20000"/>
+                      <a16:colId xmlns="" xmlns:a16="http://schemas.microsoft.com/office/drawing/2014/main" val="20000"/>
                     </a:ext>
                   </a:extLst>
                 </a:gridCol>
                 <a:gridCol w="5830760">
                   <a:extLst>
                     <a:ext uri="{9D8B030D-6E8A-4147-A177-3AD203B41FA5}">
-                      <a16:colId xmlns:a16="http://schemas.microsoft.com/office/drawing/2014/main" xmlns="" val="20001"/>
+                      <a16:colId xmlns="" xmlns:a16="http://schemas.microsoft.com/office/drawing/2014/main" val="20001"/>
                     </a:ext>
                   </a:extLst>
                 </a:gridCol>
@@ -31377,7 +31377,7 @@
                 </a:tc>
                 <a:extLst>
                   <a:ext uri="{0D108BD9-81ED-4DB2-BD59-A6C34878D82A}">
-                    <a16:rowId xmlns:a16="http://schemas.microsoft.com/office/drawing/2014/main" xmlns="" val="10000"/>
+                    <a16:rowId xmlns="" xmlns:a16="http://schemas.microsoft.com/office/drawing/2014/main" val="10000"/>
                   </a:ext>
                 </a:extLst>
               </a:tr>
@@ -32909,7 +32909,7 @@
           <p:cNvPr id="74" name="그림 73">
             <a:extLst>
               <a:ext uri="{FF2B5EF4-FFF2-40B4-BE49-F238E27FC236}">
-                <a16:creationId xmlns:a16="http://schemas.microsoft.com/office/drawing/2014/main" xmlns="" id="{19169159-FA9D-4B43-9785-2CD20D7903C3}"/>
+                <a16:creationId xmlns="" xmlns:a16="http://schemas.microsoft.com/office/drawing/2014/main" id="{19169159-FA9D-4B43-9785-2CD20D7903C3}"/>
               </a:ext>
             </a:extLst>
           </p:cNvPr>
@@ -32945,7 +32945,7 @@
           <p:cNvPr id="77" name="Picture 4">
             <a:extLst>
               <a:ext uri="{FF2B5EF4-FFF2-40B4-BE49-F238E27FC236}">
-                <a16:creationId xmlns:a16="http://schemas.microsoft.com/office/drawing/2014/main" xmlns="" id="{0BE31CF1-9B7B-4161-ADA4-98B2F5447D70}"/>
+                <a16:creationId xmlns="" xmlns:a16="http://schemas.microsoft.com/office/drawing/2014/main" id="{0BE31CF1-9B7B-4161-ADA4-98B2F5447D70}"/>
               </a:ext>
             </a:extLst>
           </p:cNvPr>
@@ -33015,7 +33015,7 @@
           <p:cNvPr id="78" name="Picture 4">
             <a:extLst>
               <a:ext uri="{FF2B5EF4-FFF2-40B4-BE49-F238E27FC236}">
-                <a16:creationId xmlns:a16="http://schemas.microsoft.com/office/drawing/2014/main" xmlns="" id="{0BE31CF1-9B7B-4161-ADA4-98B2F5447D70}"/>
+                <a16:creationId xmlns="" xmlns:a16="http://schemas.microsoft.com/office/drawing/2014/main" id="{0BE31CF1-9B7B-4161-ADA4-98B2F5447D70}"/>
               </a:ext>
             </a:extLst>
           </p:cNvPr>
@@ -33152,7 +33152,7 @@
           <p:cNvPr id="50" name="직사각형 21">
             <a:extLst>
               <a:ext uri="{FF2B5EF4-FFF2-40B4-BE49-F238E27FC236}">
-                <a16:creationId xmlns:a16="http://schemas.microsoft.com/office/drawing/2014/main" xmlns="" id="{C4ABFF7D-C18F-4580-9A8D-DCCC507C7F6E}"/>
+                <a16:creationId xmlns="" xmlns:a16="http://schemas.microsoft.com/office/drawing/2014/main" id="{C4ABFF7D-C18F-4580-9A8D-DCCC507C7F6E}"/>
               </a:ext>
             </a:extLst>
           </p:cNvPr>
@@ -33218,7 +33218,7 @@
           <p:cNvPr id="97" name="그룹 96">
             <a:extLst>
               <a:ext uri="{FF2B5EF4-FFF2-40B4-BE49-F238E27FC236}">
-                <a16:creationId xmlns:a16="http://schemas.microsoft.com/office/drawing/2014/main" xmlns="" id="{BB8B4728-2FDF-4C5F-8CF7-A6229FD322C4}"/>
+                <a16:creationId xmlns="" xmlns:a16="http://schemas.microsoft.com/office/drawing/2014/main" id="{BB8B4728-2FDF-4C5F-8CF7-A6229FD322C4}"/>
               </a:ext>
             </a:extLst>
           </p:cNvPr>
@@ -33238,7 +33238,7 @@
             <p:cNvPr id="98" name="그룹 97">
               <a:extLst>
                 <a:ext uri="{FF2B5EF4-FFF2-40B4-BE49-F238E27FC236}">
-                  <a16:creationId xmlns:a16="http://schemas.microsoft.com/office/drawing/2014/main" xmlns="" id="{62C68E43-6D8F-45F5-B651-D3CFA2FEF5E8}"/>
+                  <a16:creationId xmlns="" xmlns:a16="http://schemas.microsoft.com/office/drawing/2014/main" id="{62C68E43-6D8F-45F5-B651-D3CFA2FEF5E8}"/>
                 </a:ext>
               </a:extLst>
             </p:cNvPr>
@@ -33258,7 +33258,7 @@
               <p:cNvPr id="108" name="직사각형 107">
                 <a:extLst>
                   <a:ext uri="{FF2B5EF4-FFF2-40B4-BE49-F238E27FC236}">
-                    <a16:creationId xmlns:a16="http://schemas.microsoft.com/office/drawing/2014/main" xmlns="" id="{DCC8BE9B-13A2-4E20-8793-F27CE8F04545}"/>
+                    <a16:creationId xmlns="" xmlns:a16="http://schemas.microsoft.com/office/drawing/2014/main" id="{DCC8BE9B-13A2-4E20-8793-F27CE8F04545}"/>
                   </a:ext>
                 </a:extLst>
               </p:cNvPr>
@@ -33436,7 +33436,7 @@
               <p:cNvPr id="109" name="TextBox 67">
                 <a:extLst>
                   <a:ext uri="{FF2B5EF4-FFF2-40B4-BE49-F238E27FC236}">
-                    <a16:creationId xmlns:a16="http://schemas.microsoft.com/office/drawing/2014/main" xmlns="" id="{6C5D212D-D841-4039-A679-14CF75D56851}"/>
+                    <a16:creationId xmlns="" xmlns:a16="http://schemas.microsoft.com/office/drawing/2014/main" id="{6C5D212D-D841-4039-A679-14CF75D56851}"/>
                   </a:ext>
                 </a:extLst>
               </p:cNvPr>
@@ -33625,7 +33625,7 @@
             <p:cNvPr id="99" name="그룹 98">
               <a:extLst>
                 <a:ext uri="{FF2B5EF4-FFF2-40B4-BE49-F238E27FC236}">
-                  <a16:creationId xmlns:a16="http://schemas.microsoft.com/office/drawing/2014/main" xmlns="" id="{CD75319C-05B2-4146-9E92-44C21441AC93}"/>
+                  <a16:creationId xmlns="" xmlns:a16="http://schemas.microsoft.com/office/drawing/2014/main" id="{CD75319C-05B2-4146-9E92-44C21441AC93}"/>
                 </a:ext>
               </a:extLst>
             </p:cNvPr>
@@ -33645,7 +33645,7 @@
               <p:cNvPr id="106" name="직사각형 105">
                 <a:extLst>
                   <a:ext uri="{FF2B5EF4-FFF2-40B4-BE49-F238E27FC236}">
-                    <a16:creationId xmlns:a16="http://schemas.microsoft.com/office/drawing/2014/main" xmlns="" id="{6F465A7A-EFC3-4F7B-BB61-FF288035D1F1}"/>
+                    <a16:creationId xmlns="" xmlns:a16="http://schemas.microsoft.com/office/drawing/2014/main" id="{6F465A7A-EFC3-4F7B-BB61-FF288035D1F1}"/>
                   </a:ext>
                 </a:extLst>
               </p:cNvPr>
@@ -33824,7 +33824,7 @@
               <p:cNvPr id="107" name="TextBox 65">
                 <a:extLst>
                   <a:ext uri="{FF2B5EF4-FFF2-40B4-BE49-F238E27FC236}">
-                    <a16:creationId xmlns:a16="http://schemas.microsoft.com/office/drawing/2014/main" xmlns="" id="{8A24C54C-D191-47A2-9E9A-AB94F3769FDA}"/>
+                    <a16:creationId xmlns="" xmlns:a16="http://schemas.microsoft.com/office/drawing/2014/main" id="{8A24C54C-D191-47A2-9E9A-AB94F3769FDA}"/>
                   </a:ext>
                 </a:extLst>
               </p:cNvPr>
@@ -34013,7 +34013,7 @@
             <p:cNvPr id="100" name="그룹 99">
               <a:extLst>
                 <a:ext uri="{FF2B5EF4-FFF2-40B4-BE49-F238E27FC236}">
-                  <a16:creationId xmlns:a16="http://schemas.microsoft.com/office/drawing/2014/main" xmlns="" id="{98F57D86-3BDB-4745-9D9A-471DB9E595C3}"/>
+                  <a16:creationId xmlns="" xmlns:a16="http://schemas.microsoft.com/office/drawing/2014/main" id="{98F57D86-3BDB-4745-9D9A-471DB9E595C3}"/>
                 </a:ext>
               </a:extLst>
             </p:cNvPr>
@@ -34033,7 +34033,7 @@
               <p:cNvPr id="104" name="직사각형 103">
                 <a:extLst>
                   <a:ext uri="{FF2B5EF4-FFF2-40B4-BE49-F238E27FC236}">
-                    <a16:creationId xmlns:a16="http://schemas.microsoft.com/office/drawing/2014/main" xmlns="" id="{ADBF5702-60D6-445D-BB4C-0635772B2F1A}"/>
+                    <a16:creationId xmlns="" xmlns:a16="http://schemas.microsoft.com/office/drawing/2014/main" id="{ADBF5702-60D6-445D-BB4C-0635772B2F1A}"/>
                   </a:ext>
                 </a:extLst>
               </p:cNvPr>
@@ -34212,7 +34212,7 @@
               <p:cNvPr id="105" name="TextBox 63">
                 <a:extLst>
                   <a:ext uri="{FF2B5EF4-FFF2-40B4-BE49-F238E27FC236}">
-                    <a16:creationId xmlns:a16="http://schemas.microsoft.com/office/drawing/2014/main" xmlns="" id="{688FB1CF-5C94-4C1A-9364-3B35D4E64D8D}"/>
+                    <a16:creationId xmlns="" xmlns:a16="http://schemas.microsoft.com/office/drawing/2014/main" id="{688FB1CF-5C94-4C1A-9364-3B35D4E64D8D}"/>
                   </a:ext>
                 </a:extLst>
               </p:cNvPr>
@@ -34756,7 +34756,7 @@
                 <a:gridCol w="2016125">
                   <a:extLst>
                     <a:ext uri="{9D8B030D-6E8A-4147-A177-3AD203B41FA5}">
-                      <a16:colId xmlns:a16="http://schemas.microsoft.com/office/drawing/2014/main" xmlns="" val="20000"/>
+                      <a16:colId xmlns="" xmlns:a16="http://schemas.microsoft.com/office/drawing/2014/main" val="20000"/>
                     </a:ext>
                   </a:extLst>
                 </a:gridCol>
@@ -34860,7 +34860,7 @@
                 </a:tc>
                 <a:extLst>
                   <a:ext uri="{0D108BD9-81ED-4DB2-BD59-A6C34878D82A}">
-                    <a16:rowId xmlns:a16="http://schemas.microsoft.com/office/drawing/2014/main" xmlns="" val="10000"/>
+                    <a16:rowId xmlns="" xmlns:a16="http://schemas.microsoft.com/office/drawing/2014/main" val="10000"/>
                   </a:ext>
                 </a:extLst>
               </a:tr>
@@ -36124,7 +36124,7 @@
           <p:cNvPr id="28" name="직사각형 21">
             <a:extLst>
               <a:ext uri="{FF2B5EF4-FFF2-40B4-BE49-F238E27FC236}">
-                <a16:creationId xmlns:a16="http://schemas.microsoft.com/office/drawing/2014/main" xmlns="" id="{C4ABFF7D-C18F-4580-9A8D-DCCC507C7F6E}"/>
+                <a16:creationId xmlns="" xmlns:a16="http://schemas.microsoft.com/office/drawing/2014/main" id="{C4ABFF7D-C18F-4580-9A8D-DCCC507C7F6E}"/>
               </a:ext>
             </a:extLst>
           </p:cNvPr>
@@ -36284,7 +36284,7 @@
                 <a:gridCol w="2016125">
                   <a:extLst>
                     <a:ext uri="{9D8B030D-6E8A-4147-A177-3AD203B41FA5}">
-                      <a16:colId xmlns:a16="http://schemas.microsoft.com/office/drawing/2014/main" xmlns="" val="20000"/>
+                      <a16:colId xmlns="" xmlns:a16="http://schemas.microsoft.com/office/drawing/2014/main" val="20000"/>
                     </a:ext>
                   </a:extLst>
                 </a:gridCol>
@@ -36388,7 +36388,7 @@
                 </a:tc>
                 <a:extLst>
                   <a:ext uri="{0D108BD9-81ED-4DB2-BD59-A6C34878D82A}">
-                    <a16:rowId xmlns:a16="http://schemas.microsoft.com/office/drawing/2014/main" xmlns="" val="10000"/>
+                    <a16:rowId xmlns="" xmlns:a16="http://schemas.microsoft.com/office/drawing/2014/main" val="10000"/>
                   </a:ext>
                 </a:extLst>
               </a:tr>
@@ -37062,7 +37062,7 @@
           <p:cNvPr id="46" name="그룹 45">
             <a:extLst>
               <a:ext uri="{FF2B5EF4-FFF2-40B4-BE49-F238E27FC236}">
-                <a16:creationId xmlns:a16="http://schemas.microsoft.com/office/drawing/2014/main" xmlns="" id="{1FE8DFE9-F924-48F4-A868-186607A96421}"/>
+                <a16:creationId xmlns="" xmlns:a16="http://schemas.microsoft.com/office/drawing/2014/main" id="{1FE8DFE9-F924-48F4-A868-186607A96421}"/>
               </a:ext>
             </a:extLst>
           </p:cNvPr>
@@ -37082,7 +37082,7 @@
             <p:cNvPr id="48" name="그룹 47">
               <a:extLst>
                 <a:ext uri="{FF2B5EF4-FFF2-40B4-BE49-F238E27FC236}">
-                  <a16:creationId xmlns:a16="http://schemas.microsoft.com/office/drawing/2014/main" xmlns="" id="{05F57D3B-DF2D-4500-8919-1D9659089AE6}"/>
+                  <a16:creationId xmlns="" xmlns:a16="http://schemas.microsoft.com/office/drawing/2014/main" id="{05F57D3B-DF2D-4500-8919-1D9659089AE6}"/>
                 </a:ext>
               </a:extLst>
             </p:cNvPr>
@@ -37102,7 +37102,7 @@
               <p:cNvPr id="62" name="직사각형 61">
                 <a:extLst>
                   <a:ext uri="{FF2B5EF4-FFF2-40B4-BE49-F238E27FC236}">
-                    <a16:creationId xmlns:a16="http://schemas.microsoft.com/office/drawing/2014/main" xmlns="" id="{41456560-2C9A-4AFE-9779-0761E3168355}"/>
+                    <a16:creationId xmlns="" xmlns:a16="http://schemas.microsoft.com/office/drawing/2014/main" id="{41456560-2C9A-4AFE-9779-0761E3168355}"/>
                   </a:ext>
                 </a:extLst>
               </p:cNvPr>
@@ -37281,7 +37281,7 @@
               <p:cNvPr id="63" name="TextBox 77">
                 <a:extLst>
                   <a:ext uri="{FF2B5EF4-FFF2-40B4-BE49-F238E27FC236}">
-                    <a16:creationId xmlns:a16="http://schemas.microsoft.com/office/drawing/2014/main" xmlns="" id="{7C93E1D3-0BDD-4679-A0A1-31D34E9D76E0}"/>
+                    <a16:creationId xmlns="" xmlns:a16="http://schemas.microsoft.com/office/drawing/2014/main" id="{7C93E1D3-0BDD-4679-A0A1-31D34E9D76E0}"/>
                   </a:ext>
                 </a:extLst>
               </p:cNvPr>
@@ -37470,7 +37470,7 @@
             <p:cNvPr id="49" name="그룹 48">
               <a:extLst>
                 <a:ext uri="{FF2B5EF4-FFF2-40B4-BE49-F238E27FC236}">
-                  <a16:creationId xmlns:a16="http://schemas.microsoft.com/office/drawing/2014/main" xmlns="" id="{2F7CA623-C5D5-46DA-A854-31CA5A62A61F}"/>
+                  <a16:creationId xmlns="" xmlns:a16="http://schemas.microsoft.com/office/drawing/2014/main" id="{2F7CA623-C5D5-46DA-A854-31CA5A62A61F}"/>
                 </a:ext>
               </a:extLst>
             </p:cNvPr>
@@ -37490,7 +37490,7 @@
               <p:cNvPr id="59" name="직사각형 58">
                 <a:extLst>
                   <a:ext uri="{FF2B5EF4-FFF2-40B4-BE49-F238E27FC236}">
-                    <a16:creationId xmlns:a16="http://schemas.microsoft.com/office/drawing/2014/main" xmlns="" id="{9DAE594A-1404-474F-A503-48743AD8F551}"/>
+                    <a16:creationId xmlns="" xmlns:a16="http://schemas.microsoft.com/office/drawing/2014/main" id="{9DAE594A-1404-474F-A503-48743AD8F551}"/>
                   </a:ext>
                 </a:extLst>
               </p:cNvPr>
@@ -37668,7 +37668,7 @@
               <p:cNvPr id="61" name="TextBox 67">
                 <a:extLst>
                   <a:ext uri="{FF2B5EF4-FFF2-40B4-BE49-F238E27FC236}">
-                    <a16:creationId xmlns:a16="http://schemas.microsoft.com/office/drawing/2014/main" xmlns="" id="{CE7BC464-89FF-41D6-9FBE-AB92FF2BAEED}"/>
+                    <a16:creationId xmlns="" xmlns:a16="http://schemas.microsoft.com/office/drawing/2014/main" id="{CE7BC464-89FF-41D6-9FBE-AB92FF2BAEED}"/>
                   </a:ext>
                 </a:extLst>
               </p:cNvPr>
@@ -37857,7 +37857,7 @@
             <p:cNvPr id="50" name="그룹 49">
               <a:extLst>
                 <a:ext uri="{FF2B5EF4-FFF2-40B4-BE49-F238E27FC236}">
-                  <a16:creationId xmlns:a16="http://schemas.microsoft.com/office/drawing/2014/main" xmlns="" id="{C05ECD45-F065-4FDC-9FF2-BEE2230B10EB}"/>
+                  <a16:creationId xmlns="" xmlns:a16="http://schemas.microsoft.com/office/drawing/2014/main" id="{C05ECD45-F065-4FDC-9FF2-BEE2230B10EB}"/>
                 </a:ext>
               </a:extLst>
             </p:cNvPr>
@@ -37877,7 +37877,7 @@
               <p:cNvPr id="55" name="직사각형 54">
                 <a:extLst>
                   <a:ext uri="{FF2B5EF4-FFF2-40B4-BE49-F238E27FC236}">
-                    <a16:creationId xmlns:a16="http://schemas.microsoft.com/office/drawing/2014/main" xmlns="" id="{0386602E-EAB4-4378-AA80-FF8FEF5F73C1}"/>
+                    <a16:creationId xmlns="" xmlns:a16="http://schemas.microsoft.com/office/drawing/2014/main" id="{0386602E-EAB4-4378-AA80-FF8FEF5F73C1}"/>
                   </a:ext>
                 </a:extLst>
               </p:cNvPr>
@@ -38056,7 +38056,7 @@
               <p:cNvPr id="57" name="TextBox 65">
                 <a:extLst>
                   <a:ext uri="{FF2B5EF4-FFF2-40B4-BE49-F238E27FC236}">
-                    <a16:creationId xmlns:a16="http://schemas.microsoft.com/office/drawing/2014/main" xmlns="" id="{14639202-0322-47C1-ACC0-51D0E75A4619}"/>
+                    <a16:creationId xmlns="" xmlns:a16="http://schemas.microsoft.com/office/drawing/2014/main" id="{14639202-0322-47C1-ACC0-51D0E75A4619}"/>
                   </a:ext>
                 </a:extLst>
               </p:cNvPr>
@@ -38664,7 +38664,7 @@
           <p:cNvPr id="81" name="Picture 4">
             <a:extLst>
               <a:ext uri="{FF2B5EF4-FFF2-40B4-BE49-F238E27FC236}">
-                <a16:creationId xmlns:a16="http://schemas.microsoft.com/office/drawing/2014/main" xmlns="" id="{0BE31CF1-9B7B-4161-ADA4-98B2F5447D70}"/>
+                <a16:creationId xmlns="" xmlns:a16="http://schemas.microsoft.com/office/drawing/2014/main" id="{0BE31CF1-9B7B-4161-ADA4-98B2F5447D70}"/>
               </a:ext>
             </a:extLst>
           </p:cNvPr>
@@ -38734,7 +38734,7 @@
           <p:cNvPr id="34" name="Picture 4">
             <a:extLst>
               <a:ext uri="{FF2B5EF4-FFF2-40B4-BE49-F238E27FC236}">
-                <a16:creationId xmlns:a16="http://schemas.microsoft.com/office/drawing/2014/main" xmlns="" id="{0BE31CF1-9B7B-4161-ADA4-98B2F5447D70}"/>
+                <a16:creationId xmlns="" xmlns:a16="http://schemas.microsoft.com/office/drawing/2014/main" id="{0BE31CF1-9B7B-4161-ADA4-98B2F5447D70}"/>
               </a:ext>
             </a:extLst>
           </p:cNvPr>
@@ -38932,7 +38932,7 @@
           <p:cNvPr id="56" name="그림 55">
             <a:extLst>
               <a:ext uri="{FF2B5EF4-FFF2-40B4-BE49-F238E27FC236}">
-                <a16:creationId xmlns:a16="http://schemas.microsoft.com/office/drawing/2014/main" xmlns="" id="{19169159-FA9D-4B43-9785-2CD20D7903C3}"/>
+                <a16:creationId xmlns="" xmlns:a16="http://schemas.microsoft.com/office/drawing/2014/main" id="{19169159-FA9D-4B43-9785-2CD20D7903C3}"/>
               </a:ext>
             </a:extLst>
           </p:cNvPr>
@@ -39211,7 +39211,7 @@
           <p:cNvPr id="40" name="직사각형 21">
             <a:extLst>
               <a:ext uri="{FF2B5EF4-FFF2-40B4-BE49-F238E27FC236}">
-                <a16:creationId xmlns:a16="http://schemas.microsoft.com/office/drawing/2014/main" xmlns="" id="{C4ABFF7D-C18F-4580-9A8D-DCCC507C7F6E}"/>
+                <a16:creationId xmlns="" xmlns:a16="http://schemas.microsoft.com/office/drawing/2014/main" id="{C4ABFF7D-C18F-4580-9A8D-DCCC507C7F6E}"/>
               </a:ext>
             </a:extLst>
           </p:cNvPr>
@@ -39557,7 +39557,7 @@
                 <a:gridCol w="2016125">
                   <a:extLst>
                     <a:ext uri="{9D8B030D-6E8A-4147-A177-3AD203B41FA5}">
-                      <a16:colId xmlns:a16="http://schemas.microsoft.com/office/drawing/2014/main" xmlns="" val="20000"/>
+                      <a16:colId xmlns="" xmlns:a16="http://schemas.microsoft.com/office/drawing/2014/main" val="20000"/>
                     </a:ext>
                   </a:extLst>
                 </a:gridCol>
@@ -39661,7 +39661,7 @@
                 </a:tc>
                 <a:extLst>
                   <a:ext uri="{0D108BD9-81ED-4DB2-BD59-A6C34878D82A}">
-                    <a16:rowId xmlns:a16="http://schemas.microsoft.com/office/drawing/2014/main" xmlns="" val="10000"/>
+                    <a16:rowId xmlns="" xmlns:a16="http://schemas.microsoft.com/office/drawing/2014/main" val="10000"/>
                   </a:ext>
                 </a:extLst>
               </a:tr>
@@ -40021,7 +40021,7 @@
           <p:cNvPr id="42" name="그룹 41">
             <a:extLst>
               <a:ext uri="{FF2B5EF4-FFF2-40B4-BE49-F238E27FC236}">
-                <a16:creationId xmlns:a16="http://schemas.microsoft.com/office/drawing/2014/main" xmlns="" id="{BF1124FE-B7D2-410F-955D-119E2D327EE4}"/>
+                <a16:creationId xmlns="" xmlns:a16="http://schemas.microsoft.com/office/drawing/2014/main" id="{BF1124FE-B7D2-410F-955D-119E2D327EE4}"/>
               </a:ext>
             </a:extLst>
           </p:cNvPr>
@@ -40041,7 +40041,7 @@
             <p:cNvPr id="43" name="그룹 42">
               <a:extLst>
                 <a:ext uri="{FF2B5EF4-FFF2-40B4-BE49-F238E27FC236}">
-                  <a16:creationId xmlns:a16="http://schemas.microsoft.com/office/drawing/2014/main" xmlns="" id="{A8CA6B70-3532-430C-B1F4-F1D39C2529E1}"/>
+                  <a16:creationId xmlns="" xmlns:a16="http://schemas.microsoft.com/office/drawing/2014/main" id="{A8CA6B70-3532-430C-B1F4-F1D39C2529E1}"/>
                 </a:ext>
               </a:extLst>
             </p:cNvPr>
@@ -40061,7 +40061,7 @@
               <p:cNvPr id="61" name="직사각형 60">
                 <a:extLst>
                   <a:ext uri="{FF2B5EF4-FFF2-40B4-BE49-F238E27FC236}">
-                    <a16:creationId xmlns:a16="http://schemas.microsoft.com/office/drawing/2014/main" xmlns="" id="{2879B721-E74E-431C-8D11-A462EC367640}"/>
+                    <a16:creationId xmlns="" xmlns:a16="http://schemas.microsoft.com/office/drawing/2014/main" id="{2879B721-E74E-431C-8D11-A462EC367640}"/>
                   </a:ext>
                 </a:extLst>
               </p:cNvPr>
@@ -40240,7 +40240,7 @@
               <p:cNvPr id="62" name="TextBox 91">
                 <a:extLst>
                   <a:ext uri="{FF2B5EF4-FFF2-40B4-BE49-F238E27FC236}">
-                    <a16:creationId xmlns:a16="http://schemas.microsoft.com/office/drawing/2014/main" xmlns="" id="{2FDCEFA6-A891-42DE-BDF7-066FF1919283}"/>
+                    <a16:creationId xmlns="" xmlns:a16="http://schemas.microsoft.com/office/drawing/2014/main" id="{2FDCEFA6-A891-42DE-BDF7-066FF1919283}"/>
                   </a:ext>
                 </a:extLst>
               </p:cNvPr>
@@ -40429,7 +40429,7 @@
             <p:cNvPr id="46" name="그룹 45">
               <a:extLst>
                 <a:ext uri="{FF2B5EF4-FFF2-40B4-BE49-F238E27FC236}">
-                  <a16:creationId xmlns:a16="http://schemas.microsoft.com/office/drawing/2014/main" xmlns="" id="{CBC87E2D-1DC6-410F-93F0-369F25BDDFAA}"/>
+                  <a16:creationId xmlns="" xmlns:a16="http://schemas.microsoft.com/office/drawing/2014/main" id="{CBC87E2D-1DC6-410F-93F0-369F25BDDFAA}"/>
                 </a:ext>
               </a:extLst>
             </p:cNvPr>
@@ -40449,7 +40449,7 @@
               <p:cNvPr id="59" name="직사각형 58">
                 <a:extLst>
                   <a:ext uri="{FF2B5EF4-FFF2-40B4-BE49-F238E27FC236}">
-                    <a16:creationId xmlns:a16="http://schemas.microsoft.com/office/drawing/2014/main" xmlns="" id="{391A08F3-7A3B-4559-B2D8-F8B5BFBC1353}"/>
+                    <a16:creationId xmlns="" xmlns:a16="http://schemas.microsoft.com/office/drawing/2014/main" id="{391A08F3-7A3B-4559-B2D8-F8B5BFBC1353}"/>
                   </a:ext>
                 </a:extLst>
               </p:cNvPr>
@@ -40628,7 +40628,7 @@
               <p:cNvPr id="60" name="TextBox 89">
                 <a:extLst>
                   <a:ext uri="{FF2B5EF4-FFF2-40B4-BE49-F238E27FC236}">
-                    <a16:creationId xmlns:a16="http://schemas.microsoft.com/office/drawing/2014/main" xmlns="" id="{FC04E664-CB94-4567-A25E-5A8FC6AEFBBB}"/>
+                    <a16:creationId xmlns="" xmlns:a16="http://schemas.microsoft.com/office/drawing/2014/main" id="{FC04E664-CB94-4567-A25E-5A8FC6AEFBBB}"/>
                   </a:ext>
                 </a:extLst>
               </p:cNvPr>
@@ -40817,7 +40817,7 @@
             <p:cNvPr id="50" name="그룹 49">
               <a:extLst>
                 <a:ext uri="{FF2B5EF4-FFF2-40B4-BE49-F238E27FC236}">
-                  <a16:creationId xmlns:a16="http://schemas.microsoft.com/office/drawing/2014/main" xmlns="" id="{BFC8E201-C456-445E-93B9-07E0AFF2F313}"/>
+                  <a16:creationId xmlns="" xmlns:a16="http://schemas.microsoft.com/office/drawing/2014/main" id="{BFC8E201-C456-445E-93B9-07E0AFF2F313}"/>
                 </a:ext>
               </a:extLst>
             </p:cNvPr>
@@ -40837,7 +40837,7 @@
               <p:cNvPr id="55" name="직사각형 54">
                 <a:extLst>
                   <a:ext uri="{FF2B5EF4-FFF2-40B4-BE49-F238E27FC236}">
-                    <a16:creationId xmlns:a16="http://schemas.microsoft.com/office/drawing/2014/main" xmlns="" id="{866C8EEB-787B-497B-A7DC-65574E4E9FCD}"/>
+                    <a16:creationId xmlns="" xmlns:a16="http://schemas.microsoft.com/office/drawing/2014/main" id="{866C8EEB-787B-497B-A7DC-65574E4E9FCD}"/>
                   </a:ext>
                 </a:extLst>
               </p:cNvPr>
@@ -41015,7 +41015,7 @@
               <p:cNvPr id="56" name="TextBox 77">
                 <a:extLst>
                   <a:ext uri="{FF2B5EF4-FFF2-40B4-BE49-F238E27FC236}">
-                    <a16:creationId xmlns:a16="http://schemas.microsoft.com/office/drawing/2014/main" xmlns="" id="{4BF1DF43-4315-4986-92B2-31FC63A44027}"/>
+                    <a16:creationId xmlns="" xmlns:a16="http://schemas.microsoft.com/office/drawing/2014/main" id="{4BF1DF43-4315-4986-92B2-31FC63A44027}"/>
                   </a:ext>
                 </a:extLst>
               </p:cNvPr>
@@ -41994,7 +41994,7 @@
           <p:cNvPr id="49" name="Picture 4">
             <a:extLst>
               <a:ext uri="{FF2B5EF4-FFF2-40B4-BE49-F238E27FC236}">
-                <a16:creationId xmlns:a16="http://schemas.microsoft.com/office/drawing/2014/main" xmlns="" id="{0BE31CF1-9B7B-4161-ADA4-98B2F5447D70}"/>
+                <a16:creationId xmlns="" xmlns:a16="http://schemas.microsoft.com/office/drawing/2014/main" id="{0BE31CF1-9B7B-4161-ADA4-98B2F5447D70}"/>
               </a:ext>
             </a:extLst>
           </p:cNvPr>
@@ -42064,7 +42064,7 @@
           <p:cNvPr id="51" name="Picture 4">
             <a:extLst>
               <a:ext uri="{FF2B5EF4-FFF2-40B4-BE49-F238E27FC236}">
-                <a16:creationId xmlns:a16="http://schemas.microsoft.com/office/drawing/2014/main" xmlns="" id="{0BE31CF1-9B7B-4161-ADA4-98B2F5447D70}"/>
+                <a16:creationId xmlns="" xmlns:a16="http://schemas.microsoft.com/office/drawing/2014/main" id="{0BE31CF1-9B7B-4161-ADA4-98B2F5447D70}"/>
               </a:ext>
             </a:extLst>
           </p:cNvPr>
@@ -42198,7 +42198,7 @@
           <p:cNvPr id="52" name="그림 51">
             <a:extLst>
               <a:ext uri="{FF2B5EF4-FFF2-40B4-BE49-F238E27FC236}">
-                <a16:creationId xmlns:a16="http://schemas.microsoft.com/office/drawing/2014/main" xmlns="" id="{19169159-FA9D-4B43-9785-2CD20D7903C3}"/>
+                <a16:creationId xmlns="" xmlns:a16="http://schemas.microsoft.com/office/drawing/2014/main" id="{19169159-FA9D-4B43-9785-2CD20D7903C3}"/>
               </a:ext>
             </a:extLst>
           </p:cNvPr>
@@ -42773,7 +42773,7 @@
           <p:cNvPr id="38" name="직사각형 21">
             <a:extLst>
               <a:ext uri="{FF2B5EF4-FFF2-40B4-BE49-F238E27FC236}">
-                <a16:creationId xmlns:a16="http://schemas.microsoft.com/office/drawing/2014/main" xmlns="" id="{C4ABFF7D-C18F-4580-9A8D-DCCC507C7F6E}"/>
+                <a16:creationId xmlns="" xmlns:a16="http://schemas.microsoft.com/office/drawing/2014/main" id="{C4ABFF7D-C18F-4580-9A8D-DCCC507C7F6E}"/>
               </a:ext>
             </a:extLst>
           </p:cNvPr>
@@ -42933,7 +42933,7 @@
                 <a:gridCol w="2016125">
                   <a:extLst>
                     <a:ext uri="{9D8B030D-6E8A-4147-A177-3AD203B41FA5}">
-                      <a16:colId xmlns:a16="http://schemas.microsoft.com/office/drawing/2014/main" xmlns="" val="20000"/>
+                      <a16:colId xmlns="" xmlns:a16="http://schemas.microsoft.com/office/drawing/2014/main" val="20000"/>
                     </a:ext>
                   </a:extLst>
                 </a:gridCol>
@@ -43037,7 +43037,7 @@
                 </a:tc>
                 <a:extLst>
                   <a:ext uri="{0D108BD9-81ED-4DB2-BD59-A6C34878D82A}">
-                    <a16:rowId xmlns:a16="http://schemas.microsoft.com/office/drawing/2014/main" xmlns="" val="10000"/>
+                    <a16:rowId xmlns="" xmlns:a16="http://schemas.microsoft.com/office/drawing/2014/main" val="10000"/>
                   </a:ext>
                 </a:extLst>
               </a:tr>
@@ -44852,14 +44852,14 @@
                 <a:gridCol w="858104">
                   <a:extLst>
                     <a:ext uri="{9D8B030D-6E8A-4147-A177-3AD203B41FA5}">
-                      <a16:colId xmlns:a16="http://schemas.microsoft.com/office/drawing/2014/main" xmlns="" val="20000"/>
+                      <a16:colId xmlns="" xmlns:a16="http://schemas.microsoft.com/office/drawing/2014/main" val="20000"/>
                     </a:ext>
                   </a:extLst>
                 </a:gridCol>
                 <a:gridCol w="5830760">
                   <a:extLst>
                     <a:ext uri="{9D8B030D-6E8A-4147-A177-3AD203B41FA5}">
-                      <a16:colId xmlns:a16="http://schemas.microsoft.com/office/drawing/2014/main" xmlns="" val="20001"/>
+                      <a16:colId xmlns="" xmlns:a16="http://schemas.microsoft.com/office/drawing/2014/main" val="20001"/>
                     </a:ext>
                   </a:extLst>
                 </a:gridCol>
@@ -45052,7 +45052,7 @@
                 </a:tc>
                 <a:extLst>
                   <a:ext uri="{0D108BD9-81ED-4DB2-BD59-A6C34878D82A}">
-                    <a16:rowId xmlns:a16="http://schemas.microsoft.com/office/drawing/2014/main" xmlns="" val="10000"/>
+                    <a16:rowId xmlns="" xmlns:a16="http://schemas.microsoft.com/office/drawing/2014/main" val="10000"/>
                   </a:ext>
                 </a:extLst>
               </a:tr>
@@ -45129,7 +45129,7 @@
           <p:cNvPr id="29" name="직사각형 21">
             <a:extLst>
               <a:ext uri="{FF2B5EF4-FFF2-40B4-BE49-F238E27FC236}">
-                <a16:creationId xmlns:a16="http://schemas.microsoft.com/office/drawing/2014/main" xmlns="" id="{C4ABFF7D-C18F-4580-9A8D-DCCC507C7F6E}"/>
+                <a16:creationId xmlns="" xmlns:a16="http://schemas.microsoft.com/office/drawing/2014/main" id="{C4ABFF7D-C18F-4580-9A8D-DCCC507C7F6E}"/>
               </a:ext>
             </a:extLst>
           </p:cNvPr>
